--- a/URBAN BLOOM Project (1).pptx
+++ b/URBAN BLOOM Project (1).pptx
@@ -15,10 +15,9 @@
     <p:sldId id="274" r:id="rId9"/>
     <p:sldId id="275" r:id="rId10"/>
     <p:sldId id="263" r:id="rId11"/>
-    <p:sldId id="265" r:id="rId12"/>
-    <p:sldId id="278" r:id="rId13"/>
-    <p:sldId id="277" r:id="rId14"/>
-    <p:sldId id="276" r:id="rId15"/>
+    <p:sldId id="278" r:id="rId12"/>
+    <p:sldId id="277" r:id="rId13"/>
+    <p:sldId id="276" r:id="rId14"/>
   </p:sldIdLst>
   <p:sldSz cx="12192000" cy="6858000"/>
   <p:notesSz cx="6858000" cy="9144000"/>
@@ -3621,7 +3620,7 @@
           <a:p>
             <a:fld id="{A9CEA3BD-3FB9-4B2F-9207-8A4497F70684}" type="datetimeFigureOut">
               <a:rPr lang="en-IN" smtClean="0"/>
-              <a:t>08-12-2024</a:t>
+              <a:t>09-12-2024</a:t>
             </a:fld>
             <a:endParaRPr lang="en-IN"/>
           </a:p>
@@ -3908,7 +3907,7 @@
           <a:p>
             <a:fld id="{A9CEA3BD-3FB9-4B2F-9207-8A4497F70684}" type="datetimeFigureOut">
               <a:rPr lang="en-IN" smtClean="0"/>
-              <a:t>08-12-2024</a:t>
+              <a:t>09-12-2024</a:t>
             </a:fld>
             <a:endParaRPr lang="en-IN"/>
           </a:p>
@@ -4100,7 +4099,7 @@
           <a:p>
             <a:fld id="{A9CEA3BD-3FB9-4B2F-9207-8A4497F70684}" type="datetimeFigureOut">
               <a:rPr lang="en-IN" smtClean="0"/>
-              <a:t>08-12-2024</a:t>
+              <a:t>09-12-2024</a:t>
             </a:fld>
             <a:endParaRPr lang="en-IN"/>
           </a:p>
@@ -4361,7 +4360,7 @@
           <a:p>
             <a:fld id="{A9CEA3BD-3FB9-4B2F-9207-8A4497F70684}" type="datetimeFigureOut">
               <a:rPr lang="en-IN" smtClean="0"/>
-              <a:t>08-12-2024</a:t>
+              <a:t>09-12-2024</a:t>
             </a:fld>
             <a:endParaRPr lang="en-IN"/>
           </a:p>
@@ -4785,7 +4784,7 @@
           <a:p>
             <a:fld id="{A9CEA3BD-3FB9-4B2F-9207-8A4497F70684}" type="datetimeFigureOut">
               <a:rPr lang="en-IN" smtClean="0"/>
-              <a:t>08-12-2024</a:t>
+              <a:t>09-12-2024</a:t>
             </a:fld>
             <a:endParaRPr lang="en-IN"/>
           </a:p>
@@ -5331,7 +5330,7 @@
           <a:p>
             <a:fld id="{A9CEA3BD-3FB9-4B2F-9207-8A4497F70684}" type="datetimeFigureOut">
               <a:rPr lang="en-IN" smtClean="0"/>
-              <a:t>08-12-2024</a:t>
+              <a:t>09-12-2024</a:t>
             </a:fld>
             <a:endParaRPr lang="en-IN"/>
           </a:p>
@@ -6171,7 +6170,7 @@
           <a:p>
             <a:fld id="{A9CEA3BD-3FB9-4B2F-9207-8A4497F70684}" type="datetimeFigureOut">
               <a:rPr lang="en-IN" smtClean="0"/>
-              <a:t>08-12-2024</a:t>
+              <a:t>09-12-2024</a:t>
             </a:fld>
             <a:endParaRPr lang="en-IN"/>
           </a:p>
@@ -6341,7 +6340,7 @@
           <a:p>
             <a:fld id="{A9CEA3BD-3FB9-4B2F-9207-8A4497F70684}" type="datetimeFigureOut">
               <a:rPr lang="en-IN" smtClean="0"/>
-              <a:t>08-12-2024</a:t>
+              <a:t>09-12-2024</a:t>
             </a:fld>
             <a:endParaRPr lang="en-IN"/>
           </a:p>
@@ -6525,7 +6524,7 @@
           <a:p>
             <a:fld id="{A9CEA3BD-3FB9-4B2F-9207-8A4497F70684}" type="datetimeFigureOut">
               <a:rPr lang="en-IN" smtClean="0"/>
-              <a:t>08-12-2024</a:t>
+              <a:t>09-12-2024</a:t>
             </a:fld>
             <a:endParaRPr lang="en-IN"/>
           </a:p>
@@ -6713,7 +6712,7 @@
           <a:p>
             <a:fld id="{A9CEA3BD-3FB9-4B2F-9207-8A4497F70684}" type="datetimeFigureOut">
               <a:rPr lang="en-IN" smtClean="0"/>
-              <a:t>08-12-2024</a:t>
+              <a:t>09-12-2024</a:t>
             </a:fld>
             <a:endParaRPr lang="en-IN"/>
           </a:p>
@@ -6895,7 +6894,7 @@
           <a:p>
             <a:fld id="{A9CEA3BD-3FB9-4B2F-9207-8A4497F70684}" type="datetimeFigureOut">
               <a:rPr lang="en-IN" smtClean="0"/>
-              <a:t>08-12-2024</a:t>
+              <a:t>09-12-2024</a:t>
             </a:fld>
             <a:endParaRPr lang="en-IN"/>
           </a:p>
@@ -7143,7 +7142,7 @@
           <a:p>
             <a:fld id="{A9CEA3BD-3FB9-4B2F-9207-8A4497F70684}" type="datetimeFigureOut">
               <a:rPr lang="en-IN" smtClean="0"/>
-              <a:t>08-12-2024</a:t>
+              <a:t>09-12-2024</a:t>
             </a:fld>
             <a:endParaRPr lang="en-IN"/>
           </a:p>
@@ -7380,7 +7379,7 @@
           <a:p>
             <a:fld id="{A9CEA3BD-3FB9-4B2F-9207-8A4497F70684}" type="datetimeFigureOut">
               <a:rPr lang="en-IN" smtClean="0"/>
-              <a:t>08-12-2024</a:t>
+              <a:t>09-12-2024</a:t>
             </a:fld>
             <a:endParaRPr lang="en-IN"/>
           </a:p>
@@ -7753,7 +7752,7 @@
           <a:p>
             <a:fld id="{A9CEA3BD-3FB9-4B2F-9207-8A4497F70684}" type="datetimeFigureOut">
               <a:rPr lang="en-IN" smtClean="0"/>
-              <a:t>08-12-2024</a:t>
+              <a:t>09-12-2024</a:t>
             </a:fld>
             <a:endParaRPr lang="en-IN"/>
           </a:p>
@@ -7871,7 +7870,7 @@
           <a:p>
             <a:fld id="{A9CEA3BD-3FB9-4B2F-9207-8A4497F70684}" type="datetimeFigureOut">
               <a:rPr lang="en-IN" smtClean="0"/>
-              <a:t>08-12-2024</a:t>
+              <a:t>09-12-2024</a:t>
             </a:fld>
             <a:endParaRPr lang="en-IN"/>
           </a:p>
@@ -7966,7 +7965,7 @@
           <a:p>
             <a:fld id="{A9CEA3BD-3FB9-4B2F-9207-8A4497F70684}" type="datetimeFigureOut">
               <a:rPr lang="en-IN" smtClean="0"/>
-              <a:t>08-12-2024</a:t>
+              <a:t>09-12-2024</a:t>
             </a:fld>
             <a:endParaRPr lang="en-IN"/>
           </a:p>
@@ -8217,7 +8216,7 @@
           <a:p>
             <a:fld id="{A9CEA3BD-3FB9-4B2F-9207-8A4497F70684}" type="datetimeFigureOut">
               <a:rPr lang="en-IN" smtClean="0"/>
-              <a:t>08-12-2024</a:t>
+              <a:t>09-12-2024</a:t>
             </a:fld>
             <a:endParaRPr lang="en-IN"/>
           </a:p>
@@ -8504,7 +8503,7 @@
           <a:p>
             <a:fld id="{A9CEA3BD-3FB9-4B2F-9207-8A4497F70684}" type="datetimeFigureOut">
               <a:rPr lang="en-IN" smtClean="0"/>
-              <a:t>08-12-2024</a:t>
+              <a:t>09-12-2024</a:t>
             </a:fld>
             <a:endParaRPr lang="en-IN"/>
           </a:p>
@@ -8717,7 +8716,7 @@
           <a:p>
             <a:fld id="{A9CEA3BD-3FB9-4B2F-9207-8A4497F70684}" type="datetimeFigureOut">
               <a:rPr lang="en-IN" smtClean="0"/>
-              <a:t>08-12-2024</a:t>
+              <a:t>09-12-2024</a:t>
             </a:fld>
             <a:endParaRPr lang="en-IN"/>
           </a:p>
@@ -9582,108 +9581,6 @@
           <p:cNvPr id="2" name="Title 1">
             <a:extLst>
               <a:ext uri="{FF2B5EF4-FFF2-40B4-BE49-F238E27FC236}">
-                <a16:creationId xmlns:a16="http://schemas.microsoft.com/office/drawing/2014/main" id="{FF506265-9064-214A-F105-327ACD73A95E}"/>
-              </a:ext>
-            </a:extLst>
-          </p:cNvPr>
-          <p:cNvSpPr>
-            <a:spLocks noGrp="1"/>
-          </p:cNvSpPr>
-          <p:nvPr>
-            <p:ph type="title"/>
-          </p:nvPr>
-        </p:nvSpPr>
-        <p:spPr/>
-        <p:txBody>
-          <a:bodyPr>
-            <a:normAutofit/>
-          </a:bodyPr>
-          <a:lstStyle/>
-          <a:p>
-            <a:r>
-              <a:rPr lang="en-US" dirty="0"/>
-              <a:t>Project Management</a:t>
-            </a:r>
-            <a:br>
-              <a:rPr lang="en-US" dirty="0"/>
-            </a:br>
-            <a:endParaRPr lang="en-IN" dirty="0"/>
-          </a:p>
-        </p:txBody>
-      </p:sp>
-      <p:sp>
-        <p:nvSpPr>
-          <p:cNvPr id="3" name="Text Placeholder 2">
-            <a:extLst>
-              <a:ext uri="{FF2B5EF4-FFF2-40B4-BE49-F238E27FC236}">
-                <a16:creationId xmlns:a16="http://schemas.microsoft.com/office/drawing/2014/main" id="{106C0BD3-D200-C08D-58E3-BFF9B53DA8A9}"/>
-              </a:ext>
-            </a:extLst>
-          </p:cNvPr>
-          <p:cNvSpPr>
-            <a:spLocks noGrp="1"/>
-          </p:cNvSpPr>
-          <p:nvPr>
-            <p:ph type="body" idx="1"/>
-          </p:nvPr>
-        </p:nvSpPr>
-        <p:spPr/>
-        <p:txBody>
-          <a:bodyPr>
-            <a:normAutofit/>
-          </a:bodyPr>
-          <a:lstStyle/>
-          <a:p>
-            <a:pPr marL="0" indent="0">
-              <a:buNone/>
-            </a:pPr>
-            <a:r>
-              <a:rPr lang="en-US" sz="2200" dirty="0" err="1"/>
-              <a:t>UrbanBloom</a:t>
-            </a:r>
-            <a:r>
-              <a:rPr lang="en-US" sz="2200" dirty="0"/>
-              <a:t> is a helpful platform that supports local businesses by making it easier for them to manage their products and reach more customers. It connects vendors and customers in a simple way, helping businesses grow and succeed. At the same time, it makes shopping local easy and convenient for customers, creating a win-win for everyone.</a:t>
-            </a:r>
-            <a:endParaRPr lang="en-IN" sz="2200" dirty="0"/>
-          </a:p>
-        </p:txBody>
-      </p:sp>
-    </p:spTree>
-    <p:extLst>
-      <p:ext uri="{BB962C8B-B14F-4D97-AF65-F5344CB8AC3E}">
-        <p14:creationId xmlns:p14="http://schemas.microsoft.com/office/powerpoint/2010/main" val="2995559528"/>
-      </p:ext>
-    </p:extLst>
-  </p:cSld>
-  <p:clrMapOvr>
-    <a:masterClrMapping/>
-  </p:clrMapOvr>
-</p:sld>
-</file>
-
-<file path=ppt/slides/slide12.xml><?xml version="1.0" encoding="utf-8"?>
-<p:sld xmlns:a="http://schemas.openxmlformats.org/drawingml/2006/main" xmlns:r="http://schemas.openxmlformats.org/officeDocument/2006/relationships" xmlns:p="http://schemas.openxmlformats.org/presentationml/2006/main">
-  <p:cSld>
-    <p:spTree>
-      <p:nvGrpSpPr>
-        <p:cNvPr id="1" name=""/>
-        <p:cNvGrpSpPr/>
-        <p:nvPr/>
-      </p:nvGrpSpPr>
-      <p:grpSpPr>
-        <a:xfrm>
-          <a:off x="0" y="0"/>
-          <a:ext cx="0" cy="0"/>
-          <a:chOff x="0" y="0"/>
-          <a:chExt cx="0" cy="0"/>
-        </a:xfrm>
-      </p:grpSpPr>
-      <p:sp>
-        <p:nvSpPr>
-          <p:cNvPr id="2" name="Title 1">
-            <a:extLst>
-              <a:ext uri="{FF2B5EF4-FFF2-40B4-BE49-F238E27FC236}">
                 <a16:creationId xmlns:a16="http://schemas.microsoft.com/office/drawing/2014/main" id="{1588D826-4CA2-E6FE-8B3E-033865BBBC74}"/>
               </a:ext>
             </a:extLst>
@@ -9756,7 +9653,7 @@
 </p:sld>
 </file>
 
-<file path=ppt/slides/slide13.xml><?xml version="1.0" encoding="utf-8"?>
+<file path=ppt/slides/slide12.xml><?xml version="1.0" encoding="utf-8"?>
 <p:sld xmlns:a="http://schemas.openxmlformats.org/drawingml/2006/main" xmlns:r="http://schemas.openxmlformats.org/officeDocument/2006/relationships" xmlns:p="http://schemas.openxmlformats.org/presentationml/2006/main">
   <p:cSld>
     <p:spTree>
@@ -9852,7 +9749,7 @@
 </p:sld>
 </file>
 
-<file path=ppt/slides/slide14.xml><?xml version="1.0" encoding="utf-8"?>
+<file path=ppt/slides/slide13.xml><?xml version="1.0" encoding="utf-8"?>
 <p:sld xmlns:a="http://schemas.openxmlformats.org/drawingml/2006/main" xmlns:r="http://schemas.openxmlformats.org/officeDocument/2006/relationships" xmlns:p="http://schemas.openxmlformats.org/presentationml/2006/main">
   <p:cSld>
     <p:spTree>

--- a/URBAN BLOOM Project (1).pptx
+++ b/URBAN BLOOM Project (1).pptx
@@ -14,10 +14,9 @@
     <p:sldId id="273" r:id="rId8"/>
     <p:sldId id="274" r:id="rId9"/>
     <p:sldId id="275" r:id="rId10"/>
-    <p:sldId id="263" r:id="rId11"/>
-    <p:sldId id="278" r:id="rId12"/>
-    <p:sldId id="277" r:id="rId13"/>
-    <p:sldId id="276" r:id="rId14"/>
+    <p:sldId id="278" r:id="rId11"/>
+    <p:sldId id="277" r:id="rId12"/>
+    <p:sldId id="276" r:id="rId13"/>
   </p:sldIdLst>
   <p:sldSz cx="12192000" cy="6858000"/>
   <p:notesSz cx="6858000" cy="9144000"/>
@@ -122,3369 +121,6 @@
     </p:ext>
   </p:extLst>
 </p:presentation>
-</file>
-
-<file path=ppt/diagrams/colors1.xml><?xml version="1.0" encoding="utf-8"?>
-<dgm:colorsDef xmlns:dgm="http://schemas.openxmlformats.org/drawingml/2006/diagram" xmlns:a="http://schemas.openxmlformats.org/drawingml/2006/main" uniqueId="urn:microsoft.com/office/officeart/2005/8/colors/colorful2">
-  <dgm:title val=""/>
-  <dgm:desc val=""/>
-  <dgm:catLst>
-    <dgm:cat type="colorful" pri="10200"/>
-  </dgm:catLst>
-  <dgm:styleLbl name="node0">
-    <dgm:fillClrLst meth="repeat">
-      <a:schemeClr val="accent1"/>
-    </dgm:fillClrLst>
-    <dgm:linClrLst meth="repeat">
-      <a:schemeClr val="lt1"/>
-    </dgm:linClrLst>
-    <dgm:effectClrLst/>
-    <dgm:txLinClrLst/>
-    <dgm:txFillClrLst/>
-    <dgm:txEffectClrLst/>
-  </dgm:styleLbl>
-  <dgm:styleLbl name="node1">
-    <dgm:fillClrLst>
-      <a:schemeClr val="accent2"/>
-      <a:schemeClr val="accent3"/>
-    </dgm:fillClrLst>
-    <dgm:linClrLst meth="repeat">
-      <a:schemeClr val="lt1"/>
-    </dgm:linClrLst>
-    <dgm:effectClrLst/>
-    <dgm:txLinClrLst/>
-    <dgm:txFillClrLst/>
-    <dgm:txEffectClrLst/>
-  </dgm:styleLbl>
-  <dgm:styleLbl name="alignNode1">
-    <dgm:fillClrLst>
-      <a:schemeClr val="accent2"/>
-      <a:schemeClr val="accent3"/>
-    </dgm:fillClrLst>
-    <dgm:linClrLst>
-      <a:schemeClr val="accent2"/>
-      <a:schemeClr val="accent3"/>
-    </dgm:linClrLst>
-    <dgm:effectClrLst/>
-    <dgm:txLinClrLst/>
-    <dgm:txFillClrLst/>
-    <dgm:txEffectClrLst/>
-  </dgm:styleLbl>
-  <dgm:styleLbl name="lnNode1">
-    <dgm:fillClrLst>
-      <a:schemeClr val="accent2"/>
-      <a:schemeClr val="accent3"/>
-    </dgm:fillClrLst>
-    <dgm:linClrLst meth="repeat">
-      <a:schemeClr val="lt1"/>
-    </dgm:linClrLst>
-    <dgm:effectClrLst/>
-    <dgm:txLinClrLst/>
-    <dgm:txFillClrLst/>
-    <dgm:txEffectClrLst/>
-  </dgm:styleLbl>
-  <dgm:styleLbl name="vennNode1">
-    <dgm:fillClrLst>
-      <a:schemeClr val="accent2">
-        <a:alpha val="50000"/>
-      </a:schemeClr>
-      <a:schemeClr val="accent3">
-        <a:alpha val="50000"/>
-      </a:schemeClr>
-    </dgm:fillClrLst>
-    <dgm:linClrLst meth="repeat">
-      <a:schemeClr val="lt1"/>
-    </dgm:linClrLst>
-    <dgm:effectClrLst/>
-    <dgm:txLinClrLst/>
-    <dgm:txFillClrLst/>
-    <dgm:txEffectClrLst/>
-  </dgm:styleLbl>
-  <dgm:styleLbl name="node2">
-    <dgm:fillClrLst>
-      <a:schemeClr val="accent3"/>
-    </dgm:fillClrLst>
-    <dgm:linClrLst meth="repeat">
-      <a:schemeClr val="lt1"/>
-    </dgm:linClrLst>
-    <dgm:effectClrLst/>
-    <dgm:txLinClrLst/>
-    <dgm:txFillClrLst/>
-    <dgm:txEffectClrLst/>
-  </dgm:styleLbl>
-  <dgm:styleLbl name="node3">
-    <dgm:fillClrLst>
-      <a:schemeClr val="accent4"/>
-    </dgm:fillClrLst>
-    <dgm:linClrLst meth="repeat">
-      <a:schemeClr val="lt1"/>
-    </dgm:linClrLst>
-    <dgm:effectClrLst/>
-    <dgm:txLinClrLst/>
-    <dgm:txFillClrLst/>
-    <dgm:txEffectClrLst/>
-  </dgm:styleLbl>
-  <dgm:styleLbl name="node4">
-    <dgm:fillClrLst>
-      <a:schemeClr val="accent5"/>
-    </dgm:fillClrLst>
-    <dgm:linClrLst meth="repeat">
-      <a:schemeClr val="lt1"/>
-    </dgm:linClrLst>
-    <dgm:effectClrLst/>
-    <dgm:txLinClrLst/>
-    <dgm:txFillClrLst/>
-    <dgm:txEffectClrLst/>
-  </dgm:styleLbl>
-  <dgm:styleLbl name="fgImgPlace1">
-    <dgm:fillClrLst>
-      <a:schemeClr val="accent2">
-        <a:tint val="50000"/>
-      </a:schemeClr>
-      <a:schemeClr val="accent3">
-        <a:tint val="50000"/>
-      </a:schemeClr>
-    </dgm:fillClrLst>
-    <dgm:linClrLst meth="repeat">
-      <a:schemeClr val="lt1"/>
-    </dgm:linClrLst>
-    <dgm:effectClrLst/>
-    <dgm:txLinClrLst/>
-    <dgm:txFillClrLst meth="repeat">
-      <a:schemeClr val="lt1"/>
-    </dgm:txFillClrLst>
-    <dgm:txEffectClrLst/>
-  </dgm:styleLbl>
-  <dgm:styleLbl name="alignImgPlace1">
-    <dgm:fillClrLst>
-      <a:schemeClr val="accent2">
-        <a:tint val="50000"/>
-      </a:schemeClr>
-      <a:schemeClr val="accent3">
-        <a:tint val="20000"/>
-      </a:schemeClr>
-    </dgm:fillClrLst>
-    <dgm:linClrLst meth="repeat">
-      <a:schemeClr val="lt1"/>
-    </dgm:linClrLst>
-    <dgm:effectClrLst/>
-    <dgm:txLinClrLst/>
-    <dgm:txFillClrLst meth="repeat">
-      <a:schemeClr val="lt1"/>
-    </dgm:txFillClrLst>
-    <dgm:txEffectClrLst/>
-  </dgm:styleLbl>
-  <dgm:styleLbl name="bgImgPlace1">
-    <dgm:fillClrLst>
-      <a:schemeClr val="accent2">
-        <a:tint val="50000"/>
-      </a:schemeClr>
-      <a:schemeClr val="accent3">
-        <a:tint val="20000"/>
-      </a:schemeClr>
-    </dgm:fillClrLst>
-    <dgm:linClrLst meth="repeat">
-      <a:schemeClr val="lt1"/>
-    </dgm:linClrLst>
-    <dgm:effectClrLst/>
-    <dgm:txLinClrLst/>
-    <dgm:txFillClrLst meth="repeat">
-      <a:schemeClr val="lt1"/>
-    </dgm:txFillClrLst>
-    <dgm:txEffectClrLst/>
-  </dgm:styleLbl>
-  <dgm:styleLbl name="sibTrans2D1">
-    <dgm:fillClrLst>
-      <a:schemeClr val="accent2"/>
-      <a:schemeClr val="accent3"/>
-    </dgm:fillClrLst>
-    <dgm:linClrLst meth="repeat">
-      <a:schemeClr val="lt1"/>
-    </dgm:linClrLst>
-    <dgm:effectClrLst/>
-    <dgm:txLinClrLst/>
-    <dgm:txFillClrLst/>
-    <dgm:txEffectClrLst/>
-  </dgm:styleLbl>
-  <dgm:styleLbl name="fgSibTrans2D1">
-    <dgm:fillClrLst>
-      <a:schemeClr val="accent2"/>
-      <a:schemeClr val="accent3"/>
-    </dgm:fillClrLst>
-    <dgm:linClrLst meth="repeat">
-      <a:schemeClr val="lt1"/>
-    </dgm:linClrLst>
-    <dgm:effectClrLst/>
-    <dgm:txLinClrLst/>
-    <dgm:txFillClrLst meth="repeat">
-      <a:schemeClr val="lt1"/>
-    </dgm:txFillClrLst>
-    <dgm:txEffectClrLst/>
-  </dgm:styleLbl>
-  <dgm:styleLbl name="bgSibTrans2D1">
-    <dgm:fillClrLst>
-      <a:schemeClr val="accent2"/>
-      <a:schemeClr val="accent3"/>
-    </dgm:fillClrLst>
-    <dgm:linClrLst meth="repeat">
-      <a:schemeClr val="lt1"/>
-    </dgm:linClrLst>
-    <dgm:effectClrLst/>
-    <dgm:txLinClrLst/>
-    <dgm:txFillClrLst meth="repeat">
-      <a:schemeClr val="lt1"/>
-    </dgm:txFillClrLst>
-    <dgm:txEffectClrLst/>
-  </dgm:styleLbl>
-  <dgm:styleLbl name="sibTrans1D1">
-    <dgm:fillClrLst/>
-    <dgm:linClrLst>
-      <a:schemeClr val="accent2"/>
-      <a:schemeClr val="accent3"/>
-    </dgm:linClrLst>
-    <dgm:effectClrLst/>
-    <dgm:txLinClrLst/>
-    <dgm:txFillClrLst meth="repeat">
-      <a:schemeClr val="tx1"/>
-    </dgm:txFillClrLst>
-    <dgm:txEffectClrLst/>
-  </dgm:styleLbl>
-  <dgm:styleLbl name="callout">
-    <dgm:fillClrLst meth="repeat">
-      <a:schemeClr val="accent2"/>
-    </dgm:fillClrLst>
-    <dgm:linClrLst meth="repeat">
-      <a:schemeClr val="accent2">
-        <a:tint val="50000"/>
-      </a:schemeClr>
-    </dgm:linClrLst>
-    <dgm:effectClrLst/>
-    <dgm:txLinClrLst/>
-    <dgm:txFillClrLst meth="repeat">
-      <a:schemeClr val="tx1"/>
-    </dgm:txFillClrLst>
-    <dgm:txEffectClrLst/>
-  </dgm:styleLbl>
-  <dgm:styleLbl name="asst0">
-    <dgm:fillClrLst meth="repeat">
-      <a:schemeClr val="accent2"/>
-    </dgm:fillClrLst>
-    <dgm:linClrLst meth="repeat">
-      <a:schemeClr val="lt1">
-        <a:shade val="80000"/>
-      </a:schemeClr>
-    </dgm:linClrLst>
-    <dgm:effectClrLst/>
-    <dgm:txLinClrLst/>
-    <dgm:txFillClrLst/>
-    <dgm:txEffectClrLst/>
-  </dgm:styleLbl>
-  <dgm:styleLbl name="asst1">
-    <dgm:fillClrLst meth="repeat">
-      <a:schemeClr val="accent3"/>
-    </dgm:fillClrLst>
-    <dgm:linClrLst meth="repeat">
-      <a:schemeClr val="lt1">
-        <a:shade val="80000"/>
-      </a:schemeClr>
-    </dgm:linClrLst>
-    <dgm:effectClrLst/>
-    <dgm:txLinClrLst/>
-    <dgm:txFillClrLst/>
-    <dgm:txEffectClrLst/>
-  </dgm:styleLbl>
-  <dgm:styleLbl name="asst2">
-    <dgm:fillClrLst>
-      <a:schemeClr val="accent4"/>
-    </dgm:fillClrLst>
-    <dgm:linClrLst meth="repeat">
-      <a:schemeClr val="lt1"/>
-    </dgm:linClrLst>
-    <dgm:effectClrLst/>
-    <dgm:txLinClrLst/>
-    <dgm:txFillClrLst/>
-    <dgm:txEffectClrLst/>
-  </dgm:styleLbl>
-  <dgm:styleLbl name="asst3">
-    <dgm:fillClrLst>
-      <a:schemeClr val="accent5"/>
-    </dgm:fillClrLst>
-    <dgm:linClrLst meth="repeat">
-      <a:schemeClr val="lt1"/>
-    </dgm:linClrLst>
-    <dgm:effectClrLst/>
-    <dgm:txLinClrLst/>
-    <dgm:txFillClrLst/>
-    <dgm:txEffectClrLst/>
-  </dgm:styleLbl>
-  <dgm:styleLbl name="asst4">
-    <dgm:fillClrLst>
-      <a:schemeClr val="accent6"/>
-    </dgm:fillClrLst>
-    <dgm:linClrLst meth="repeat">
-      <a:schemeClr val="lt1"/>
-    </dgm:linClrLst>
-    <dgm:effectClrLst/>
-    <dgm:txLinClrLst/>
-    <dgm:txFillClrLst/>
-    <dgm:txEffectClrLst/>
-  </dgm:styleLbl>
-  <dgm:styleLbl name="parChTrans2D1">
-    <dgm:fillClrLst meth="repeat">
-      <a:schemeClr val="accent2"/>
-    </dgm:fillClrLst>
-    <dgm:linClrLst meth="repeat">
-      <a:schemeClr val="lt1"/>
-    </dgm:linClrLst>
-    <dgm:effectClrLst/>
-    <dgm:txLinClrLst/>
-    <dgm:txFillClrLst meth="repeat">
-      <a:schemeClr val="lt1"/>
-    </dgm:txFillClrLst>
-    <dgm:txEffectClrLst/>
-  </dgm:styleLbl>
-  <dgm:styleLbl name="parChTrans2D2">
-    <dgm:fillClrLst meth="repeat">
-      <a:schemeClr val="accent3"/>
-    </dgm:fillClrLst>
-    <dgm:linClrLst meth="repeat">
-      <a:schemeClr val="lt1"/>
-    </dgm:linClrLst>
-    <dgm:effectClrLst/>
-    <dgm:txLinClrLst/>
-    <dgm:txFillClrLst/>
-    <dgm:txEffectClrLst/>
-  </dgm:styleLbl>
-  <dgm:styleLbl name="parChTrans2D3">
-    <dgm:fillClrLst meth="repeat">
-      <a:schemeClr val="accent4"/>
-    </dgm:fillClrLst>
-    <dgm:linClrLst meth="repeat">
-      <a:schemeClr val="lt1"/>
-    </dgm:linClrLst>
-    <dgm:effectClrLst/>
-    <dgm:txLinClrLst/>
-    <dgm:txFillClrLst/>
-    <dgm:txEffectClrLst/>
-  </dgm:styleLbl>
-  <dgm:styleLbl name="parChTrans2D4">
-    <dgm:fillClrLst meth="repeat">
-      <a:schemeClr val="accent5"/>
-    </dgm:fillClrLst>
-    <dgm:linClrLst meth="repeat">
-      <a:schemeClr val="lt1"/>
-    </dgm:linClrLst>
-    <dgm:effectClrLst/>
-    <dgm:txLinClrLst/>
-    <dgm:txFillClrLst meth="repeat">
-      <a:schemeClr val="lt1"/>
-    </dgm:txFillClrLst>
-    <dgm:txEffectClrLst/>
-  </dgm:styleLbl>
-  <dgm:styleLbl name="parChTrans1D1">
-    <dgm:fillClrLst meth="repeat">
-      <a:schemeClr val="accent2"/>
-    </dgm:fillClrLst>
-    <dgm:linClrLst meth="repeat">
-      <a:schemeClr val="accent2"/>
-    </dgm:linClrLst>
-    <dgm:effectClrLst/>
-    <dgm:txLinClrLst/>
-    <dgm:txFillClrLst meth="repeat">
-      <a:schemeClr val="tx1"/>
-    </dgm:txFillClrLst>
-    <dgm:txEffectClrLst/>
-  </dgm:styleLbl>
-  <dgm:styleLbl name="parChTrans1D2">
-    <dgm:fillClrLst meth="repeat">
-      <a:schemeClr val="accent2">
-        <a:tint val="90000"/>
-      </a:schemeClr>
-    </dgm:fillClrLst>
-    <dgm:linClrLst meth="repeat">
-      <a:schemeClr val="accent3"/>
-    </dgm:linClrLst>
-    <dgm:effectClrLst/>
-    <dgm:txLinClrLst/>
-    <dgm:txFillClrLst meth="repeat">
-      <a:schemeClr val="tx1"/>
-    </dgm:txFillClrLst>
-    <dgm:txEffectClrLst/>
-  </dgm:styleLbl>
-  <dgm:styleLbl name="parChTrans1D3">
-    <dgm:fillClrLst meth="repeat">
-      <a:schemeClr val="accent2">
-        <a:tint val="70000"/>
-      </a:schemeClr>
-    </dgm:fillClrLst>
-    <dgm:linClrLst meth="repeat">
-      <a:schemeClr val="accent4"/>
-    </dgm:linClrLst>
-    <dgm:effectClrLst/>
-    <dgm:txLinClrLst/>
-    <dgm:txFillClrLst meth="repeat">
-      <a:schemeClr val="tx1"/>
-    </dgm:txFillClrLst>
-    <dgm:txEffectClrLst/>
-  </dgm:styleLbl>
-  <dgm:styleLbl name="parChTrans1D4">
-    <dgm:fillClrLst meth="repeat">
-      <a:schemeClr val="accent2">
-        <a:tint val="50000"/>
-      </a:schemeClr>
-    </dgm:fillClrLst>
-    <dgm:linClrLst meth="repeat">
-      <a:schemeClr val="accent5"/>
-    </dgm:linClrLst>
-    <dgm:effectClrLst/>
-    <dgm:txLinClrLst/>
-    <dgm:txFillClrLst meth="repeat">
-      <a:schemeClr val="tx1"/>
-    </dgm:txFillClrLst>
-    <dgm:txEffectClrLst/>
-  </dgm:styleLbl>
-  <dgm:styleLbl name="fgAcc1">
-    <dgm:fillClrLst meth="repeat">
-      <a:schemeClr val="lt1">
-        <a:alpha val="90000"/>
-      </a:schemeClr>
-    </dgm:fillClrLst>
-    <dgm:linClrLst>
-      <a:schemeClr val="accent2"/>
-      <a:schemeClr val="accent3"/>
-    </dgm:linClrLst>
-    <dgm:effectClrLst/>
-    <dgm:txLinClrLst/>
-    <dgm:txFillClrLst meth="repeat">
-      <a:schemeClr val="dk1"/>
-    </dgm:txFillClrLst>
-    <dgm:txEffectClrLst/>
-  </dgm:styleLbl>
-  <dgm:styleLbl name="conFgAcc1">
-    <dgm:fillClrLst meth="repeat">
-      <a:schemeClr val="lt1">
-        <a:alpha val="90000"/>
-      </a:schemeClr>
-    </dgm:fillClrLst>
-    <dgm:linClrLst>
-      <a:schemeClr val="accent2"/>
-      <a:schemeClr val="accent3"/>
-    </dgm:linClrLst>
-    <dgm:effectClrLst/>
-    <dgm:txLinClrLst/>
-    <dgm:txFillClrLst meth="repeat">
-      <a:schemeClr val="dk1"/>
-    </dgm:txFillClrLst>
-    <dgm:txEffectClrLst/>
-  </dgm:styleLbl>
-  <dgm:styleLbl name="alignAcc1">
-    <dgm:fillClrLst meth="repeat">
-      <a:schemeClr val="lt1">
-        <a:alpha val="90000"/>
-      </a:schemeClr>
-    </dgm:fillClrLst>
-    <dgm:linClrLst>
-      <a:schemeClr val="accent2"/>
-      <a:schemeClr val="accent3"/>
-    </dgm:linClrLst>
-    <dgm:effectClrLst/>
-    <dgm:txLinClrLst/>
-    <dgm:txFillClrLst meth="repeat">
-      <a:schemeClr val="dk1"/>
-    </dgm:txFillClrLst>
-    <dgm:txEffectClrLst/>
-  </dgm:styleLbl>
-  <dgm:styleLbl name="trAlignAcc1">
-    <dgm:fillClrLst meth="repeat">
-      <a:schemeClr val="lt1">
-        <a:alpha val="40000"/>
-      </a:schemeClr>
-    </dgm:fillClrLst>
-    <dgm:linClrLst meth="repeat">
-      <a:schemeClr val="accent2"/>
-    </dgm:linClrLst>
-    <dgm:effectClrLst/>
-    <dgm:txLinClrLst/>
-    <dgm:txFillClrLst meth="repeat">
-      <a:schemeClr val="dk1"/>
-    </dgm:txFillClrLst>
-    <dgm:txEffectClrLst/>
-  </dgm:styleLbl>
-  <dgm:styleLbl name="bgAcc1">
-    <dgm:fillClrLst meth="repeat">
-      <a:schemeClr val="lt1">
-        <a:alpha val="90000"/>
-      </a:schemeClr>
-    </dgm:fillClrLst>
-    <dgm:linClrLst>
-      <a:schemeClr val="accent2"/>
-      <a:schemeClr val="accent3"/>
-    </dgm:linClrLst>
-    <dgm:effectClrLst/>
-    <dgm:txLinClrLst/>
-    <dgm:txFillClrLst meth="repeat">
-      <a:schemeClr val="dk1"/>
-    </dgm:txFillClrLst>
-    <dgm:txEffectClrLst/>
-  </dgm:styleLbl>
-  <dgm:styleLbl name="solidFgAcc1">
-    <dgm:fillClrLst meth="repeat">
-      <a:schemeClr val="lt1"/>
-    </dgm:fillClrLst>
-    <dgm:linClrLst>
-      <a:schemeClr val="accent2"/>
-      <a:schemeClr val="accent3"/>
-    </dgm:linClrLst>
-    <dgm:effectClrLst/>
-    <dgm:txLinClrLst/>
-    <dgm:txFillClrLst meth="repeat">
-      <a:schemeClr val="dk1"/>
-    </dgm:txFillClrLst>
-    <dgm:txEffectClrLst/>
-  </dgm:styleLbl>
-  <dgm:styleLbl name="solidAlignAcc1">
-    <dgm:fillClrLst meth="repeat">
-      <a:schemeClr val="lt1"/>
-    </dgm:fillClrLst>
-    <dgm:linClrLst>
-      <a:schemeClr val="accent2"/>
-      <a:schemeClr val="accent3"/>
-    </dgm:linClrLst>
-    <dgm:effectClrLst/>
-    <dgm:txLinClrLst/>
-    <dgm:txFillClrLst meth="repeat">
-      <a:schemeClr val="dk1"/>
-    </dgm:txFillClrLst>
-    <dgm:txEffectClrLst/>
-  </dgm:styleLbl>
-  <dgm:styleLbl name="solidBgAcc1">
-    <dgm:fillClrLst meth="repeat">
-      <a:schemeClr val="lt1"/>
-    </dgm:fillClrLst>
-    <dgm:linClrLst>
-      <a:schemeClr val="accent2"/>
-      <a:schemeClr val="accent3"/>
-    </dgm:linClrLst>
-    <dgm:effectClrLst/>
-    <dgm:txLinClrLst/>
-    <dgm:txFillClrLst meth="repeat">
-      <a:schemeClr val="dk1"/>
-    </dgm:txFillClrLst>
-    <dgm:txEffectClrLst/>
-  </dgm:styleLbl>
-  <dgm:styleLbl name="fgAccFollowNode1">
-    <dgm:fillClrLst>
-      <a:schemeClr val="accent2">
-        <a:tint val="40000"/>
-        <a:alpha val="90000"/>
-      </a:schemeClr>
-      <a:schemeClr val="accent3">
-        <a:tint val="40000"/>
-        <a:alpha val="90000"/>
-      </a:schemeClr>
-    </dgm:fillClrLst>
-    <dgm:linClrLst>
-      <a:schemeClr val="accent2">
-        <a:tint val="40000"/>
-        <a:alpha val="90000"/>
-      </a:schemeClr>
-      <a:schemeClr val="accent3">
-        <a:tint val="40000"/>
-        <a:alpha val="90000"/>
-      </a:schemeClr>
-    </dgm:linClrLst>
-    <dgm:effectClrLst/>
-    <dgm:txLinClrLst/>
-    <dgm:txFillClrLst meth="repeat">
-      <a:schemeClr val="dk1"/>
-    </dgm:txFillClrLst>
-    <dgm:txEffectClrLst/>
-  </dgm:styleLbl>
-  <dgm:styleLbl name="alignAccFollowNode1">
-    <dgm:fillClrLst>
-      <a:schemeClr val="accent2">
-        <a:tint val="40000"/>
-        <a:alpha val="90000"/>
-      </a:schemeClr>
-      <a:schemeClr val="accent3">
-        <a:tint val="40000"/>
-        <a:alpha val="90000"/>
-      </a:schemeClr>
-    </dgm:fillClrLst>
-    <dgm:linClrLst>
-      <a:schemeClr val="accent2">
-        <a:tint val="40000"/>
-        <a:alpha val="90000"/>
-      </a:schemeClr>
-      <a:schemeClr val="accent3">
-        <a:tint val="40000"/>
-        <a:alpha val="90000"/>
-      </a:schemeClr>
-    </dgm:linClrLst>
-    <dgm:effectClrLst/>
-    <dgm:txLinClrLst/>
-    <dgm:txFillClrLst meth="repeat">
-      <a:schemeClr val="dk1"/>
-    </dgm:txFillClrLst>
-    <dgm:txEffectClrLst/>
-  </dgm:styleLbl>
-  <dgm:styleLbl name="bgAccFollowNode1">
-    <dgm:fillClrLst>
-      <a:schemeClr val="accent2">
-        <a:tint val="40000"/>
-        <a:alpha val="90000"/>
-      </a:schemeClr>
-      <a:schemeClr val="accent3">
-        <a:tint val="40000"/>
-        <a:alpha val="90000"/>
-      </a:schemeClr>
-    </dgm:fillClrLst>
-    <dgm:linClrLst>
-      <a:schemeClr val="accent2">
-        <a:tint val="40000"/>
-        <a:alpha val="90000"/>
-      </a:schemeClr>
-      <a:schemeClr val="accent3">
-        <a:tint val="40000"/>
-        <a:alpha val="90000"/>
-      </a:schemeClr>
-    </dgm:linClrLst>
-    <dgm:effectClrLst/>
-    <dgm:txLinClrLst/>
-    <dgm:txFillClrLst meth="repeat">
-      <a:schemeClr val="dk1"/>
-    </dgm:txFillClrLst>
-    <dgm:txEffectClrLst/>
-  </dgm:styleLbl>
-  <dgm:styleLbl name="fgAcc0">
-    <dgm:fillClrLst meth="repeat">
-      <a:schemeClr val="lt1">
-        <a:alpha val="90000"/>
-      </a:schemeClr>
-    </dgm:fillClrLst>
-    <dgm:linClrLst>
-      <a:schemeClr val="accent1"/>
-    </dgm:linClrLst>
-    <dgm:effectClrLst/>
-    <dgm:txLinClrLst/>
-    <dgm:txFillClrLst meth="repeat">
-      <a:schemeClr val="dk1"/>
-    </dgm:txFillClrLst>
-    <dgm:txEffectClrLst/>
-  </dgm:styleLbl>
-  <dgm:styleLbl name="fgAcc2">
-    <dgm:fillClrLst meth="repeat">
-      <a:schemeClr val="lt1">
-        <a:alpha val="90000"/>
-      </a:schemeClr>
-    </dgm:fillClrLst>
-    <dgm:linClrLst>
-      <a:schemeClr val="accent3"/>
-    </dgm:linClrLst>
-    <dgm:effectClrLst/>
-    <dgm:txLinClrLst/>
-    <dgm:txFillClrLst meth="repeat">
-      <a:schemeClr val="dk1"/>
-    </dgm:txFillClrLst>
-    <dgm:txEffectClrLst/>
-  </dgm:styleLbl>
-  <dgm:styleLbl name="fgAcc3">
-    <dgm:fillClrLst meth="repeat">
-      <a:schemeClr val="lt1">
-        <a:alpha val="90000"/>
-      </a:schemeClr>
-    </dgm:fillClrLst>
-    <dgm:linClrLst>
-      <a:schemeClr val="accent4"/>
-    </dgm:linClrLst>
-    <dgm:effectClrLst/>
-    <dgm:txLinClrLst/>
-    <dgm:txFillClrLst meth="repeat">
-      <a:schemeClr val="dk1"/>
-    </dgm:txFillClrLst>
-    <dgm:txEffectClrLst/>
-  </dgm:styleLbl>
-  <dgm:styleLbl name="fgAcc4">
-    <dgm:fillClrLst meth="repeat">
-      <a:schemeClr val="lt1">
-        <a:alpha val="90000"/>
-      </a:schemeClr>
-    </dgm:fillClrLst>
-    <dgm:linClrLst>
-      <a:schemeClr val="accent5"/>
-    </dgm:linClrLst>
-    <dgm:effectClrLst/>
-    <dgm:txLinClrLst/>
-    <dgm:txFillClrLst meth="repeat">
-      <a:schemeClr val="dk1"/>
-    </dgm:txFillClrLst>
-    <dgm:txEffectClrLst/>
-  </dgm:styleLbl>
-  <dgm:styleLbl name="bgShp">
-    <dgm:fillClrLst meth="repeat">
-      <a:schemeClr val="accent2">
-        <a:tint val="40000"/>
-      </a:schemeClr>
-    </dgm:fillClrLst>
-    <dgm:linClrLst meth="repeat">
-      <a:schemeClr val="dk1"/>
-    </dgm:linClrLst>
-    <dgm:effectClrLst/>
-    <dgm:txLinClrLst/>
-    <dgm:txFillClrLst meth="repeat">
-      <a:schemeClr val="dk1"/>
-    </dgm:txFillClrLst>
-    <dgm:txEffectClrLst/>
-  </dgm:styleLbl>
-  <dgm:styleLbl name="dkBgShp">
-    <dgm:fillClrLst meth="repeat">
-      <a:schemeClr val="accent2">
-        <a:shade val="90000"/>
-      </a:schemeClr>
-    </dgm:fillClrLst>
-    <dgm:linClrLst meth="repeat">
-      <a:schemeClr val="dk1"/>
-    </dgm:linClrLst>
-    <dgm:effectClrLst/>
-    <dgm:txLinClrLst/>
-    <dgm:txFillClrLst meth="repeat">
-      <a:schemeClr val="lt1"/>
-    </dgm:txFillClrLst>
-    <dgm:txEffectClrLst/>
-  </dgm:styleLbl>
-  <dgm:styleLbl name="trBgShp">
-    <dgm:fillClrLst meth="repeat">
-      <a:schemeClr val="accent2">
-        <a:tint val="50000"/>
-        <a:alpha val="40000"/>
-      </a:schemeClr>
-    </dgm:fillClrLst>
-    <dgm:linClrLst meth="repeat">
-      <a:schemeClr val="accent2"/>
-    </dgm:linClrLst>
-    <dgm:effectClrLst/>
-    <dgm:txLinClrLst/>
-    <dgm:txFillClrLst meth="repeat">
-      <a:schemeClr val="lt1"/>
-    </dgm:txFillClrLst>
-    <dgm:txEffectClrLst/>
-  </dgm:styleLbl>
-  <dgm:styleLbl name="fgShp">
-    <dgm:fillClrLst meth="repeat">
-      <a:schemeClr val="accent2">
-        <a:tint val="40000"/>
-      </a:schemeClr>
-    </dgm:fillClrLst>
-    <dgm:linClrLst meth="repeat">
-      <a:schemeClr val="lt1"/>
-    </dgm:linClrLst>
-    <dgm:effectClrLst/>
-    <dgm:txLinClrLst/>
-    <dgm:txFillClrLst meth="repeat">
-      <a:schemeClr val="dk1"/>
-    </dgm:txFillClrLst>
-    <dgm:txEffectClrLst/>
-  </dgm:styleLbl>
-  <dgm:styleLbl name="revTx">
-    <dgm:fillClrLst meth="repeat">
-      <a:schemeClr val="lt1">
-        <a:alpha val="0"/>
-      </a:schemeClr>
-    </dgm:fillClrLst>
-    <dgm:linClrLst meth="repeat">
-      <a:schemeClr val="dk1">
-        <a:alpha val="0"/>
-      </a:schemeClr>
-    </dgm:linClrLst>
-    <dgm:effectClrLst/>
-    <dgm:txLinClrLst/>
-    <dgm:txFillClrLst meth="repeat">
-      <a:schemeClr val="tx1"/>
-    </dgm:txFillClrLst>
-    <dgm:txEffectClrLst/>
-  </dgm:styleLbl>
-</dgm:colorsDef>
-</file>
-
-<file path=ppt/diagrams/data1.xml><?xml version="1.0" encoding="utf-8"?>
-<dgm:dataModel xmlns:dgm="http://schemas.openxmlformats.org/drawingml/2006/diagram" xmlns:a="http://schemas.openxmlformats.org/drawingml/2006/main">
-  <dgm:ptLst>
-    <dgm:pt modelId="{64C74917-18CF-405D-860E-D0C3A684B7ED}" type="doc">
-      <dgm:prSet loTypeId="urn:microsoft.com/office/officeart/2008/layout/LinedList" loCatId="list" qsTypeId="urn:microsoft.com/office/officeart/2005/8/quickstyle/simple4" qsCatId="simple" csTypeId="urn:microsoft.com/office/officeart/2005/8/colors/colorful2" csCatId="colorful"/>
-      <dgm:spPr/>
-      <dgm:t>
-        <a:bodyPr/>
-        <a:lstStyle/>
-        <a:p>
-          <a:endParaRPr lang="en-US"/>
-        </a:p>
-      </dgm:t>
-    </dgm:pt>
-    <dgm:pt modelId="{C1D6BF9C-147A-4A18-A4AC-BFA1A3617070}">
-      <dgm:prSet/>
-      <dgm:spPr/>
-      <dgm:t>
-        <a:bodyPr/>
-        <a:lstStyle/>
-        <a:p>
-          <a:r>
-            <a:rPr lang="en-US" dirty="0"/>
-            <a:t>Security is a top priority in </a:t>
-          </a:r>
-          <a:r>
-            <a:rPr lang="en-US" dirty="0" err="1"/>
-            <a:t>UrbanBloom</a:t>
-          </a:r>
-          <a:r>
-            <a:rPr lang="en-US" dirty="0"/>
-            <a:t>, with features including </a:t>
-          </a:r>
-        </a:p>
-      </dgm:t>
-    </dgm:pt>
-    <dgm:pt modelId="{CEA9992C-AEA8-4C03-B4D2-AE5FE8B2A934}" type="parTrans" cxnId="{836E754E-98C6-4C68-9A1F-8B4F8EBCFE1F}">
-      <dgm:prSet/>
-      <dgm:spPr/>
-      <dgm:t>
-        <a:bodyPr/>
-        <a:lstStyle/>
-        <a:p>
-          <a:endParaRPr lang="en-US"/>
-        </a:p>
-      </dgm:t>
-    </dgm:pt>
-    <dgm:pt modelId="{00465AEA-468A-4316-B87D-70D0DC9DB9EB}" type="sibTrans" cxnId="{836E754E-98C6-4C68-9A1F-8B4F8EBCFE1F}">
-      <dgm:prSet/>
-      <dgm:spPr/>
-      <dgm:t>
-        <a:bodyPr/>
-        <a:lstStyle/>
-        <a:p>
-          <a:endParaRPr lang="en-US"/>
-        </a:p>
-      </dgm:t>
-    </dgm:pt>
-    <dgm:pt modelId="{BBCCD19C-55F1-489E-8D4E-F047EC65CC32}">
-      <dgm:prSet/>
-      <dgm:spPr/>
-      <dgm:t>
-        <a:bodyPr/>
-        <a:lstStyle/>
-        <a:p>
-          <a:r>
-            <a:rPr lang="en-US" dirty="0"/>
-            <a:t>JWT Authentication: Tokens are used for secure login.</a:t>
-          </a:r>
-        </a:p>
-      </dgm:t>
-    </dgm:pt>
-    <dgm:pt modelId="{7DFCBDDF-39FD-4357-A1B3-41928A9BF26B}" type="parTrans" cxnId="{D1D98BB4-F0CA-4A85-95A7-A0C0E13B6EFC}">
-      <dgm:prSet/>
-      <dgm:spPr/>
-      <dgm:t>
-        <a:bodyPr/>
-        <a:lstStyle/>
-        <a:p>
-          <a:endParaRPr lang="en-US"/>
-        </a:p>
-      </dgm:t>
-    </dgm:pt>
-    <dgm:pt modelId="{7A638918-9FBD-4B5D-9B7F-52D91F61D1E8}" type="sibTrans" cxnId="{D1D98BB4-F0CA-4A85-95A7-A0C0E13B6EFC}">
-      <dgm:prSet/>
-      <dgm:spPr/>
-      <dgm:t>
-        <a:bodyPr/>
-        <a:lstStyle/>
-        <a:p>
-          <a:endParaRPr lang="en-US"/>
-        </a:p>
-      </dgm:t>
-    </dgm:pt>
-    <dgm:pt modelId="{2C657FEA-C5C9-457B-85D2-DAEB05F2C7F6}">
-      <dgm:prSet/>
-      <dgm:spPr/>
-      <dgm:t>
-        <a:bodyPr/>
-        <a:lstStyle/>
-        <a:p>
-          <a:r>
-            <a:rPr lang="en-US" dirty="0"/>
-            <a:t>Role-Based Access Control: Ensures access to only permitted resources.</a:t>
-          </a:r>
-        </a:p>
-      </dgm:t>
-    </dgm:pt>
-    <dgm:pt modelId="{B93A0425-18A0-400E-8A92-85A8E58271D4}" type="parTrans" cxnId="{16A358E3-3F32-4665-B98F-E133D21A1D00}">
-      <dgm:prSet/>
-      <dgm:spPr/>
-      <dgm:t>
-        <a:bodyPr/>
-        <a:lstStyle/>
-        <a:p>
-          <a:endParaRPr lang="en-US"/>
-        </a:p>
-      </dgm:t>
-    </dgm:pt>
-    <dgm:pt modelId="{A57E44DD-630B-4169-91A2-B2A2A8242FDE}" type="sibTrans" cxnId="{16A358E3-3F32-4665-B98F-E133D21A1D00}">
-      <dgm:prSet/>
-      <dgm:spPr/>
-      <dgm:t>
-        <a:bodyPr/>
-        <a:lstStyle/>
-        <a:p>
-          <a:endParaRPr lang="en-US"/>
-        </a:p>
-      </dgm:t>
-    </dgm:pt>
-    <dgm:pt modelId="{B9D2CEBE-E2C3-4877-ADE3-E7D5585C9CEA}">
-      <dgm:prSet/>
-      <dgm:spPr/>
-      <dgm:t>
-        <a:bodyPr/>
-        <a:lstStyle/>
-        <a:p>
-          <a:r>
-            <a:rPr lang="en-US"/>
-            <a:t>Data Encryption: Encrypts sensitive data in transit and at rest.</a:t>
-          </a:r>
-        </a:p>
-      </dgm:t>
-    </dgm:pt>
-    <dgm:pt modelId="{CA36C7D7-AC61-436D-85B6-913CD437CAA6}" type="parTrans" cxnId="{DF64292E-B5F9-4D53-BEE2-54048AA669F4}">
-      <dgm:prSet/>
-      <dgm:spPr/>
-      <dgm:t>
-        <a:bodyPr/>
-        <a:lstStyle/>
-        <a:p>
-          <a:endParaRPr lang="en-US"/>
-        </a:p>
-      </dgm:t>
-    </dgm:pt>
-    <dgm:pt modelId="{CD0B54AB-4041-4CDE-A5CD-915135C08959}" type="sibTrans" cxnId="{DF64292E-B5F9-4D53-BEE2-54048AA669F4}">
-      <dgm:prSet/>
-      <dgm:spPr/>
-      <dgm:t>
-        <a:bodyPr/>
-        <a:lstStyle/>
-        <a:p>
-          <a:endParaRPr lang="en-US"/>
-        </a:p>
-      </dgm:t>
-    </dgm:pt>
-    <dgm:pt modelId="{F9C2391B-7A12-4FA1-A0C7-A74D2CCE9A86}">
-      <dgm:prSet/>
-      <dgm:spPr/>
-      <dgm:t>
-        <a:bodyPr/>
-        <a:lstStyle/>
-        <a:p>
-          <a:r>
-            <a:rPr lang="en-US" dirty="0"/>
-            <a:t>Input Validation: Validates user input to prevent injection attacks.</a:t>
-          </a:r>
-        </a:p>
-      </dgm:t>
-    </dgm:pt>
-    <dgm:pt modelId="{9DDFB53E-AF26-4074-BF22-C1A5019C705A}" type="parTrans" cxnId="{C01CFC4B-FB67-48F4-8611-1C69D6945967}">
-      <dgm:prSet/>
-      <dgm:spPr/>
-      <dgm:t>
-        <a:bodyPr/>
-        <a:lstStyle/>
-        <a:p>
-          <a:endParaRPr lang="en-US"/>
-        </a:p>
-      </dgm:t>
-    </dgm:pt>
-    <dgm:pt modelId="{1C082AA4-F8E9-4E7F-9276-3B10B8CFB17F}" type="sibTrans" cxnId="{C01CFC4B-FB67-48F4-8611-1C69D6945967}">
-      <dgm:prSet/>
-      <dgm:spPr/>
-      <dgm:t>
-        <a:bodyPr/>
-        <a:lstStyle/>
-        <a:p>
-          <a:endParaRPr lang="en-US"/>
-        </a:p>
-      </dgm:t>
-    </dgm:pt>
-    <dgm:pt modelId="{7450FD8A-B57F-4F1E-AD1E-B7F6923308CF}" type="pres">
-      <dgm:prSet presAssocID="{64C74917-18CF-405D-860E-D0C3A684B7ED}" presName="vert0" presStyleCnt="0">
-        <dgm:presLayoutVars>
-          <dgm:dir/>
-          <dgm:animOne val="branch"/>
-          <dgm:animLvl val="lvl"/>
-        </dgm:presLayoutVars>
-      </dgm:prSet>
-      <dgm:spPr/>
-    </dgm:pt>
-    <dgm:pt modelId="{2D7C59FC-F92C-452F-8B90-4BA314F26ECB}" type="pres">
-      <dgm:prSet presAssocID="{C1D6BF9C-147A-4A18-A4AC-BFA1A3617070}" presName="thickLine" presStyleLbl="alignNode1" presStyleIdx="0" presStyleCnt="5"/>
-      <dgm:spPr/>
-    </dgm:pt>
-    <dgm:pt modelId="{C7A30C7E-3ACB-4BD3-AA9D-AB4859A180E6}" type="pres">
-      <dgm:prSet presAssocID="{C1D6BF9C-147A-4A18-A4AC-BFA1A3617070}" presName="horz1" presStyleCnt="0"/>
-      <dgm:spPr/>
-    </dgm:pt>
-    <dgm:pt modelId="{56110694-78B3-49D7-9479-C2A7AA12F71D}" type="pres">
-      <dgm:prSet presAssocID="{C1D6BF9C-147A-4A18-A4AC-BFA1A3617070}" presName="tx1" presStyleLbl="revTx" presStyleIdx="0" presStyleCnt="5"/>
-      <dgm:spPr/>
-    </dgm:pt>
-    <dgm:pt modelId="{75673BA3-8631-4082-B8F3-52E8F8C88836}" type="pres">
-      <dgm:prSet presAssocID="{C1D6BF9C-147A-4A18-A4AC-BFA1A3617070}" presName="vert1" presStyleCnt="0"/>
-      <dgm:spPr/>
-    </dgm:pt>
-    <dgm:pt modelId="{427CBBC2-FA08-4B50-A696-8FCB57E0B18E}" type="pres">
-      <dgm:prSet presAssocID="{BBCCD19C-55F1-489E-8D4E-F047EC65CC32}" presName="thickLine" presStyleLbl="alignNode1" presStyleIdx="1" presStyleCnt="5"/>
-      <dgm:spPr/>
-    </dgm:pt>
-    <dgm:pt modelId="{B38FABED-B81E-4143-B663-6DA8CB0182F4}" type="pres">
-      <dgm:prSet presAssocID="{BBCCD19C-55F1-489E-8D4E-F047EC65CC32}" presName="horz1" presStyleCnt="0"/>
-      <dgm:spPr/>
-    </dgm:pt>
-    <dgm:pt modelId="{AEB42E16-AB39-4DAD-BD7A-A1576D86FB61}" type="pres">
-      <dgm:prSet presAssocID="{BBCCD19C-55F1-489E-8D4E-F047EC65CC32}" presName="tx1" presStyleLbl="revTx" presStyleIdx="1" presStyleCnt="5"/>
-      <dgm:spPr/>
-    </dgm:pt>
-    <dgm:pt modelId="{6B0A5DC9-183E-415F-9949-BAAB0AAD6A01}" type="pres">
-      <dgm:prSet presAssocID="{BBCCD19C-55F1-489E-8D4E-F047EC65CC32}" presName="vert1" presStyleCnt="0"/>
-      <dgm:spPr/>
-    </dgm:pt>
-    <dgm:pt modelId="{9EE7325B-D064-4F5E-B566-23EFAF9AFF6A}" type="pres">
-      <dgm:prSet presAssocID="{2C657FEA-C5C9-457B-85D2-DAEB05F2C7F6}" presName="thickLine" presStyleLbl="alignNode1" presStyleIdx="2" presStyleCnt="5"/>
-      <dgm:spPr/>
-    </dgm:pt>
-    <dgm:pt modelId="{67C677A3-E6AC-4528-90FE-8BFC3F7DD4C7}" type="pres">
-      <dgm:prSet presAssocID="{2C657FEA-C5C9-457B-85D2-DAEB05F2C7F6}" presName="horz1" presStyleCnt="0"/>
-      <dgm:spPr/>
-    </dgm:pt>
-    <dgm:pt modelId="{71FDD4CF-FF4B-4656-BB71-BC3341B2B6EF}" type="pres">
-      <dgm:prSet presAssocID="{2C657FEA-C5C9-457B-85D2-DAEB05F2C7F6}" presName="tx1" presStyleLbl="revTx" presStyleIdx="2" presStyleCnt="5"/>
-      <dgm:spPr/>
-    </dgm:pt>
-    <dgm:pt modelId="{1499C4C8-3ABB-4619-9E02-A49601379810}" type="pres">
-      <dgm:prSet presAssocID="{2C657FEA-C5C9-457B-85D2-DAEB05F2C7F6}" presName="vert1" presStyleCnt="0"/>
-      <dgm:spPr/>
-    </dgm:pt>
-    <dgm:pt modelId="{8B2D1396-C915-4770-B2EC-B84B6D6B0CD9}" type="pres">
-      <dgm:prSet presAssocID="{B9D2CEBE-E2C3-4877-ADE3-E7D5585C9CEA}" presName="thickLine" presStyleLbl="alignNode1" presStyleIdx="3" presStyleCnt="5"/>
-      <dgm:spPr/>
-    </dgm:pt>
-    <dgm:pt modelId="{01301953-51A1-4F73-9774-5D62650B5B87}" type="pres">
-      <dgm:prSet presAssocID="{B9D2CEBE-E2C3-4877-ADE3-E7D5585C9CEA}" presName="horz1" presStyleCnt="0"/>
-      <dgm:spPr/>
-    </dgm:pt>
-    <dgm:pt modelId="{93C5156E-D8E3-4E36-95D8-C3F84197AC22}" type="pres">
-      <dgm:prSet presAssocID="{B9D2CEBE-E2C3-4877-ADE3-E7D5585C9CEA}" presName="tx1" presStyleLbl="revTx" presStyleIdx="3" presStyleCnt="5"/>
-      <dgm:spPr/>
-    </dgm:pt>
-    <dgm:pt modelId="{7413F555-AFEA-4B1C-A400-C7738F9301C2}" type="pres">
-      <dgm:prSet presAssocID="{B9D2CEBE-E2C3-4877-ADE3-E7D5585C9CEA}" presName="vert1" presStyleCnt="0"/>
-      <dgm:spPr/>
-    </dgm:pt>
-    <dgm:pt modelId="{2CEF8812-3C94-4901-BFCE-3A96B9A84A5A}" type="pres">
-      <dgm:prSet presAssocID="{F9C2391B-7A12-4FA1-A0C7-A74D2CCE9A86}" presName="thickLine" presStyleLbl="alignNode1" presStyleIdx="4" presStyleCnt="5"/>
-      <dgm:spPr/>
-    </dgm:pt>
-    <dgm:pt modelId="{2FF35EB5-F03F-466E-B439-AB0E8C34F832}" type="pres">
-      <dgm:prSet presAssocID="{F9C2391B-7A12-4FA1-A0C7-A74D2CCE9A86}" presName="horz1" presStyleCnt="0"/>
-      <dgm:spPr/>
-    </dgm:pt>
-    <dgm:pt modelId="{71AD26E6-D779-4473-9BF4-10D41D5A6531}" type="pres">
-      <dgm:prSet presAssocID="{F9C2391B-7A12-4FA1-A0C7-A74D2CCE9A86}" presName="tx1" presStyleLbl="revTx" presStyleIdx="4" presStyleCnt="5"/>
-      <dgm:spPr/>
-    </dgm:pt>
-    <dgm:pt modelId="{B0084284-4712-45E7-86DF-971514E5FE23}" type="pres">
-      <dgm:prSet presAssocID="{F9C2391B-7A12-4FA1-A0C7-A74D2CCE9A86}" presName="vert1" presStyleCnt="0"/>
-      <dgm:spPr/>
-    </dgm:pt>
-  </dgm:ptLst>
-  <dgm:cxnLst>
-    <dgm:cxn modelId="{DF64292E-B5F9-4D53-BEE2-54048AA669F4}" srcId="{64C74917-18CF-405D-860E-D0C3A684B7ED}" destId="{B9D2CEBE-E2C3-4877-ADE3-E7D5585C9CEA}" srcOrd="3" destOrd="0" parTransId="{CA36C7D7-AC61-436D-85B6-913CD437CAA6}" sibTransId="{CD0B54AB-4041-4CDE-A5CD-915135C08959}"/>
-    <dgm:cxn modelId="{15ACCC68-22A0-44A6-864E-CC532CC6B2BC}" type="presOf" srcId="{64C74917-18CF-405D-860E-D0C3A684B7ED}" destId="{7450FD8A-B57F-4F1E-AD1E-B7F6923308CF}" srcOrd="0" destOrd="0" presId="urn:microsoft.com/office/officeart/2008/layout/LinedList"/>
-    <dgm:cxn modelId="{C01CFC4B-FB67-48F4-8611-1C69D6945967}" srcId="{64C74917-18CF-405D-860E-D0C3A684B7ED}" destId="{F9C2391B-7A12-4FA1-A0C7-A74D2CCE9A86}" srcOrd="4" destOrd="0" parTransId="{9DDFB53E-AF26-4074-BF22-C1A5019C705A}" sibTransId="{1C082AA4-F8E9-4E7F-9276-3B10B8CFB17F}"/>
-    <dgm:cxn modelId="{836E754E-98C6-4C68-9A1F-8B4F8EBCFE1F}" srcId="{64C74917-18CF-405D-860E-D0C3A684B7ED}" destId="{C1D6BF9C-147A-4A18-A4AC-BFA1A3617070}" srcOrd="0" destOrd="0" parTransId="{CEA9992C-AEA8-4C03-B4D2-AE5FE8B2A934}" sibTransId="{00465AEA-468A-4316-B87D-70D0DC9DB9EB}"/>
-    <dgm:cxn modelId="{B3DACD81-A82D-48BA-970A-5D7BBAE7EBA0}" type="presOf" srcId="{B9D2CEBE-E2C3-4877-ADE3-E7D5585C9CEA}" destId="{93C5156E-D8E3-4E36-95D8-C3F84197AC22}" srcOrd="0" destOrd="0" presId="urn:microsoft.com/office/officeart/2008/layout/LinedList"/>
-    <dgm:cxn modelId="{D1D98BB4-F0CA-4A85-95A7-A0C0E13B6EFC}" srcId="{64C74917-18CF-405D-860E-D0C3A684B7ED}" destId="{BBCCD19C-55F1-489E-8D4E-F047EC65CC32}" srcOrd="1" destOrd="0" parTransId="{7DFCBDDF-39FD-4357-A1B3-41928A9BF26B}" sibTransId="{7A638918-9FBD-4B5D-9B7F-52D91F61D1E8}"/>
-    <dgm:cxn modelId="{8100F3C1-7B71-4151-A389-07EEE379C7F7}" type="presOf" srcId="{BBCCD19C-55F1-489E-8D4E-F047EC65CC32}" destId="{AEB42E16-AB39-4DAD-BD7A-A1576D86FB61}" srcOrd="0" destOrd="0" presId="urn:microsoft.com/office/officeart/2008/layout/LinedList"/>
-    <dgm:cxn modelId="{8ABBD3C7-BA68-4889-8D1B-3178560B558D}" type="presOf" srcId="{F9C2391B-7A12-4FA1-A0C7-A74D2CCE9A86}" destId="{71AD26E6-D779-4473-9BF4-10D41D5A6531}" srcOrd="0" destOrd="0" presId="urn:microsoft.com/office/officeart/2008/layout/LinedList"/>
-    <dgm:cxn modelId="{16A358E3-3F32-4665-B98F-E133D21A1D00}" srcId="{64C74917-18CF-405D-860E-D0C3A684B7ED}" destId="{2C657FEA-C5C9-457B-85D2-DAEB05F2C7F6}" srcOrd="2" destOrd="0" parTransId="{B93A0425-18A0-400E-8A92-85A8E58271D4}" sibTransId="{A57E44DD-630B-4169-91A2-B2A2A8242FDE}"/>
-    <dgm:cxn modelId="{92C5A3F2-33CE-4703-B3D5-1FBE45592F3C}" type="presOf" srcId="{2C657FEA-C5C9-457B-85D2-DAEB05F2C7F6}" destId="{71FDD4CF-FF4B-4656-BB71-BC3341B2B6EF}" srcOrd="0" destOrd="0" presId="urn:microsoft.com/office/officeart/2008/layout/LinedList"/>
-    <dgm:cxn modelId="{791DEBF2-F844-4D43-A851-B97390DA21C8}" type="presOf" srcId="{C1D6BF9C-147A-4A18-A4AC-BFA1A3617070}" destId="{56110694-78B3-49D7-9479-C2A7AA12F71D}" srcOrd="0" destOrd="0" presId="urn:microsoft.com/office/officeart/2008/layout/LinedList"/>
-    <dgm:cxn modelId="{C24C42AA-6DF8-42F0-8F19-CCD3D05E0AE2}" type="presParOf" srcId="{7450FD8A-B57F-4F1E-AD1E-B7F6923308CF}" destId="{2D7C59FC-F92C-452F-8B90-4BA314F26ECB}" srcOrd="0" destOrd="0" presId="urn:microsoft.com/office/officeart/2008/layout/LinedList"/>
-    <dgm:cxn modelId="{8A864A8D-76D2-4789-8725-2D9E6A10DE36}" type="presParOf" srcId="{7450FD8A-B57F-4F1E-AD1E-B7F6923308CF}" destId="{C7A30C7E-3ACB-4BD3-AA9D-AB4859A180E6}" srcOrd="1" destOrd="0" presId="urn:microsoft.com/office/officeart/2008/layout/LinedList"/>
-    <dgm:cxn modelId="{002F6840-3F59-4D8D-ABBE-8EF4CA002A44}" type="presParOf" srcId="{C7A30C7E-3ACB-4BD3-AA9D-AB4859A180E6}" destId="{56110694-78B3-49D7-9479-C2A7AA12F71D}" srcOrd="0" destOrd="0" presId="urn:microsoft.com/office/officeart/2008/layout/LinedList"/>
-    <dgm:cxn modelId="{19EBC646-E330-4AE0-A460-7A79772CBAF8}" type="presParOf" srcId="{C7A30C7E-3ACB-4BD3-AA9D-AB4859A180E6}" destId="{75673BA3-8631-4082-B8F3-52E8F8C88836}" srcOrd="1" destOrd="0" presId="urn:microsoft.com/office/officeart/2008/layout/LinedList"/>
-    <dgm:cxn modelId="{8BBBEC76-AAE4-4A06-9207-8AB9B5DED27D}" type="presParOf" srcId="{7450FD8A-B57F-4F1E-AD1E-B7F6923308CF}" destId="{427CBBC2-FA08-4B50-A696-8FCB57E0B18E}" srcOrd="2" destOrd="0" presId="urn:microsoft.com/office/officeart/2008/layout/LinedList"/>
-    <dgm:cxn modelId="{FF39AB99-5CEA-4A29-A054-D8F2FD98FD91}" type="presParOf" srcId="{7450FD8A-B57F-4F1E-AD1E-B7F6923308CF}" destId="{B38FABED-B81E-4143-B663-6DA8CB0182F4}" srcOrd="3" destOrd="0" presId="urn:microsoft.com/office/officeart/2008/layout/LinedList"/>
-    <dgm:cxn modelId="{CF9A8245-93D2-4D22-B82E-B5AB1D5CC580}" type="presParOf" srcId="{B38FABED-B81E-4143-B663-6DA8CB0182F4}" destId="{AEB42E16-AB39-4DAD-BD7A-A1576D86FB61}" srcOrd="0" destOrd="0" presId="urn:microsoft.com/office/officeart/2008/layout/LinedList"/>
-    <dgm:cxn modelId="{D33B6A24-AF09-4405-BA74-C32B799F6243}" type="presParOf" srcId="{B38FABED-B81E-4143-B663-6DA8CB0182F4}" destId="{6B0A5DC9-183E-415F-9949-BAAB0AAD6A01}" srcOrd="1" destOrd="0" presId="urn:microsoft.com/office/officeart/2008/layout/LinedList"/>
-    <dgm:cxn modelId="{196FEFA9-E7A3-4F21-BFDB-5606CFFFF1D3}" type="presParOf" srcId="{7450FD8A-B57F-4F1E-AD1E-B7F6923308CF}" destId="{9EE7325B-D064-4F5E-B566-23EFAF9AFF6A}" srcOrd="4" destOrd="0" presId="urn:microsoft.com/office/officeart/2008/layout/LinedList"/>
-    <dgm:cxn modelId="{317F27ED-9AA7-458C-B420-76D5007C3F5C}" type="presParOf" srcId="{7450FD8A-B57F-4F1E-AD1E-B7F6923308CF}" destId="{67C677A3-E6AC-4528-90FE-8BFC3F7DD4C7}" srcOrd="5" destOrd="0" presId="urn:microsoft.com/office/officeart/2008/layout/LinedList"/>
-    <dgm:cxn modelId="{81240139-23DA-45EE-8376-B9AC1416FDB3}" type="presParOf" srcId="{67C677A3-E6AC-4528-90FE-8BFC3F7DD4C7}" destId="{71FDD4CF-FF4B-4656-BB71-BC3341B2B6EF}" srcOrd="0" destOrd="0" presId="urn:microsoft.com/office/officeart/2008/layout/LinedList"/>
-    <dgm:cxn modelId="{A8FDE05C-5DE4-4289-B4FF-F3C1769459EB}" type="presParOf" srcId="{67C677A3-E6AC-4528-90FE-8BFC3F7DD4C7}" destId="{1499C4C8-3ABB-4619-9E02-A49601379810}" srcOrd="1" destOrd="0" presId="urn:microsoft.com/office/officeart/2008/layout/LinedList"/>
-    <dgm:cxn modelId="{304945FD-F040-4107-9DD6-24F8AAC2384C}" type="presParOf" srcId="{7450FD8A-B57F-4F1E-AD1E-B7F6923308CF}" destId="{8B2D1396-C915-4770-B2EC-B84B6D6B0CD9}" srcOrd="6" destOrd="0" presId="urn:microsoft.com/office/officeart/2008/layout/LinedList"/>
-    <dgm:cxn modelId="{85D48B51-1A64-4439-9FBD-7B2FF9B9540C}" type="presParOf" srcId="{7450FD8A-B57F-4F1E-AD1E-B7F6923308CF}" destId="{01301953-51A1-4F73-9774-5D62650B5B87}" srcOrd="7" destOrd="0" presId="urn:microsoft.com/office/officeart/2008/layout/LinedList"/>
-    <dgm:cxn modelId="{2C80F4A9-CB77-4C78-9AFB-20C065805810}" type="presParOf" srcId="{01301953-51A1-4F73-9774-5D62650B5B87}" destId="{93C5156E-D8E3-4E36-95D8-C3F84197AC22}" srcOrd="0" destOrd="0" presId="urn:microsoft.com/office/officeart/2008/layout/LinedList"/>
-    <dgm:cxn modelId="{08B4A8D4-7F4E-4AD7-AF9D-861FE4A0A761}" type="presParOf" srcId="{01301953-51A1-4F73-9774-5D62650B5B87}" destId="{7413F555-AFEA-4B1C-A400-C7738F9301C2}" srcOrd="1" destOrd="0" presId="urn:microsoft.com/office/officeart/2008/layout/LinedList"/>
-    <dgm:cxn modelId="{7B45584D-A2DD-4FB6-8C7E-787C89A0C1E5}" type="presParOf" srcId="{7450FD8A-B57F-4F1E-AD1E-B7F6923308CF}" destId="{2CEF8812-3C94-4901-BFCE-3A96B9A84A5A}" srcOrd="8" destOrd="0" presId="urn:microsoft.com/office/officeart/2008/layout/LinedList"/>
-    <dgm:cxn modelId="{06E14D05-4B51-461D-B14B-14B25A92244D}" type="presParOf" srcId="{7450FD8A-B57F-4F1E-AD1E-B7F6923308CF}" destId="{2FF35EB5-F03F-466E-B439-AB0E8C34F832}" srcOrd="9" destOrd="0" presId="urn:microsoft.com/office/officeart/2008/layout/LinedList"/>
-    <dgm:cxn modelId="{DC5D3FFE-4E36-4E40-B59B-8A2BCA8CB1D8}" type="presParOf" srcId="{2FF35EB5-F03F-466E-B439-AB0E8C34F832}" destId="{71AD26E6-D779-4473-9BF4-10D41D5A6531}" srcOrd="0" destOrd="0" presId="urn:microsoft.com/office/officeart/2008/layout/LinedList"/>
-    <dgm:cxn modelId="{25069995-4DF7-450A-894C-6876A0B6F59D}" type="presParOf" srcId="{2FF35EB5-F03F-466E-B439-AB0E8C34F832}" destId="{B0084284-4712-45E7-86DF-971514E5FE23}" srcOrd="1" destOrd="0" presId="urn:microsoft.com/office/officeart/2008/layout/LinedList"/>
-  </dgm:cxnLst>
-  <dgm:bg/>
-  <dgm:whole/>
-  <dgm:extLst>
-    <a:ext uri="http://schemas.microsoft.com/office/drawing/2008/diagram">
-      <dsp:dataModelExt xmlns:dsp="http://schemas.microsoft.com/office/drawing/2008/diagram" relId="rId7" minVer="http://schemas.openxmlformats.org/drawingml/2006/diagram"/>
-    </a:ext>
-  </dgm:extLst>
-</dgm:dataModel>
-</file>
-
-<file path=ppt/diagrams/drawing1.xml><?xml version="1.0" encoding="utf-8"?>
-<dsp:drawing xmlns:dgm="http://schemas.openxmlformats.org/drawingml/2006/diagram" xmlns:dsp="http://schemas.microsoft.com/office/drawing/2008/diagram" xmlns:a="http://schemas.openxmlformats.org/drawingml/2006/main">
-  <dsp:spTree>
-    <dsp:nvGrpSpPr>
-      <dsp:cNvPr id="0" name=""/>
-      <dsp:cNvGrpSpPr/>
-    </dsp:nvGrpSpPr>
-    <dsp:grpSpPr/>
-    <dsp:sp modelId="{2D7C59FC-F92C-452F-8B90-4BA314F26ECB}">
-      <dsp:nvSpPr>
-        <dsp:cNvPr id="0" name=""/>
-        <dsp:cNvSpPr/>
-      </dsp:nvSpPr>
-      <dsp:spPr>
-        <a:xfrm>
-          <a:off x="0" y="565"/>
-          <a:ext cx="5924550" cy="0"/>
-        </a:xfrm>
-        <a:prstGeom prst="line">
-          <a:avLst/>
-        </a:prstGeom>
-        <a:gradFill rotWithShape="0">
-          <a:gsLst>
-            <a:gs pos="0">
-              <a:schemeClr val="accent2">
-                <a:hueOff val="0"/>
-                <a:satOff val="0"/>
-                <a:lumOff val="0"/>
-                <a:alphaOff val="0"/>
-                <a:tint val="94000"/>
-                <a:satMod val="100000"/>
-                <a:lumMod val="104000"/>
-              </a:schemeClr>
-            </a:gs>
-            <a:gs pos="69000">
-              <a:schemeClr val="accent2">
-                <a:hueOff val="0"/>
-                <a:satOff val="0"/>
-                <a:lumOff val="0"/>
-                <a:alphaOff val="0"/>
-                <a:shade val="86000"/>
-                <a:satMod val="130000"/>
-                <a:lumMod val="102000"/>
-              </a:schemeClr>
-            </a:gs>
-            <a:gs pos="100000">
-              <a:schemeClr val="accent2">
-                <a:hueOff val="0"/>
-                <a:satOff val="0"/>
-                <a:lumOff val="0"/>
-                <a:alphaOff val="0"/>
-                <a:shade val="72000"/>
-                <a:satMod val="130000"/>
-                <a:lumMod val="100000"/>
-              </a:schemeClr>
-            </a:gs>
-          </a:gsLst>
-          <a:lin ang="5400000" scaled="0"/>
-        </a:gradFill>
-        <a:ln w="12700" cap="flat" cmpd="sng" algn="ctr">
-          <a:solidFill>
-            <a:schemeClr val="accent2">
-              <a:hueOff val="0"/>
-              <a:satOff val="0"/>
-              <a:lumOff val="0"/>
-              <a:alphaOff val="0"/>
-            </a:schemeClr>
-          </a:solidFill>
-          <a:prstDash val="solid"/>
-        </a:ln>
-        <a:effectLst>
-          <a:outerShdw blurRad="50800" dist="38100" dir="5400000" sy="96000" rotWithShape="0">
-            <a:srgbClr val="000000">
-              <a:alpha val="54000"/>
-            </a:srgbClr>
-          </a:outerShdw>
-        </a:effectLst>
-      </dsp:spPr>
-      <dsp:style>
-        <a:lnRef idx="1">
-          <a:scrgbClr r="0" g="0" b="0"/>
-        </a:lnRef>
-        <a:fillRef idx="3">
-          <a:scrgbClr r="0" g="0" b="0"/>
-        </a:fillRef>
-        <a:effectRef idx="2">
-          <a:scrgbClr r="0" g="0" b="0"/>
-        </a:effectRef>
-        <a:fontRef idx="minor">
-          <a:schemeClr val="lt1"/>
-        </a:fontRef>
-      </dsp:style>
-    </dsp:sp>
-    <dsp:sp modelId="{56110694-78B3-49D7-9479-C2A7AA12F71D}">
-      <dsp:nvSpPr>
-        <dsp:cNvPr id="0" name=""/>
-        <dsp:cNvSpPr/>
-      </dsp:nvSpPr>
-      <dsp:spPr>
-        <a:xfrm>
-          <a:off x="0" y="565"/>
-          <a:ext cx="5924550" cy="925603"/>
-        </a:xfrm>
-        <a:prstGeom prst="rect">
-          <a:avLst/>
-        </a:prstGeom>
-        <a:noFill/>
-        <a:ln>
-          <a:noFill/>
-        </a:ln>
-        <a:effectLst/>
-      </dsp:spPr>
-      <dsp:style>
-        <a:lnRef idx="0">
-          <a:scrgbClr r="0" g="0" b="0"/>
-        </a:lnRef>
-        <a:fillRef idx="0">
-          <a:scrgbClr r="0" g="0" b="0"/>
-        </a:fillRef>
-        <a:effectRef idx="0">
-          <a:scrgbClr r="0" g="0" b="0"/>
-        </a:effectRef>
-        <a:fontRef idx="minor"/>
-      </dsp:style>
-      <dsp:txBody>
-        <a:bodyPr spcFirstLastPara="0" vert="horz" wrap="square" lIns="99060" tIns="99060" rIns="99060" bIns="99060" numCol="1" spcCol="1270" anchor="t" anchorCtr="0">
-          <a:noAutofit/>
-        </a:bodyPr>
-        <a:lstStyle/>
-        <a:p>
-          <a:pPr marL="0" lvl="0" indent="0" algn="l" defTabSz="1155700">
-            <a:lnSpc>
-              <a:spcPct val="90000"/>
-            </a:lnSpc>
-            <a:spcBef>
-              <a:spcPct val="0"/>
-            </a:spcBef>
-            <a:spcAft>
-              <a:spcPct val="35000"/>
-            </a:spcAft>
-            <a:buNone/>
-          </a:pPr>
-          <a:r>
-            <a:rPr lang="en-US" sz="2600" kern="1200" dirty="0"/>
-            <a:t>Security is a top priority in </a:t>
-          </a:r>
-          <a:r>
-            <a:rPr lang="en-US" sz="2600" kern="1200" dirty="0" err="1"/>
-            <a:t>UrbanBloom</a:t>
-          </a:r>
-          <a:r>
-            <a:rPr lang="en-US" sz="2600" kern="1200" dirty="0"/>
-            <a:t>, with features including </a:t>
-          </a:r>
-        </a:p>
-      </dsp:txBody>
-      <dsp:txXfrm>
-        <a:off x="0" y="565"/>
-        <a:ext cx="5924550" cy="925603"/>
-      </dsp:txXfrm>
-    </dsp:sp>
-    <dsp:sp modelId="{427CBBC2-FA08-4B50-A696-8FCB57E0B18E}">
-      <dsp:nvSpPr>
-        <dsp:cNvPr id="0" name=""/>
-        <dsp:cNvSpPr/>
-      </dsp:nvSpPr>
-      <dsp:spPr>
-        <a:xfrm>
-          <a:off x="0" y="926169"/>
-          <a:ext cx="5924550" cy="0"/>
-        </a:xfrm>
-        <a:prstGeom prst="line">
-          <a:avLst/>
-        </a:prstGeom>
-        <a:gradFill rotWithShape="0">
-          <a:gsLst>
-            <a:gs pos="0">
-              <a:schemeClr val="accent2">
-                <a:hueOff val="553230"/>
-                <a:satOff val="2550"/>
-                <a:lumOff val="392"/>
-                <a:alphaOff val="0"/>
-                <a:tint val="94000"/>
-                <a:satMod val="100000"/>
-                <a:lumMod val="104000"/>
-              </a:schemeClr>
-            </a:gs>
-            <a:gs pos="69000">
-              <a:schemeClr val="accent2">
-                <a:hueOff val="553230"/>
-                <a:satOff val="2550"/>
-                <a:lumOff val="392"/>
-                <a:alphaOff val="0"/>
-                <a:shade val="86000"/>
-                <a:satMod val="130000"/>
-                <a:lumMod val="102000"/>
-              </a:schemeClr>
-            </a:gs>
-            <a:gs pos="100000">
-              <a:schemeClr val="accent2">
-                <a:hueOff val="553230"/>
-                <a:satOff val="2550"/>
-                <a:lumOff val="392"/>
-                <a:alphaOff val="0"/>
-                <a:shade val="72000"/>
-                <a:satMod val="130000"/>
-                <a:lumMod val="100000"/>
-              </a:schemeClr>
-            </a:gs>
-          </a:gsLst>
-          <a:lin ang="5400000" scaled="0"/>
-        </a:gradFill>
-        <a:ln w="12700" cap="flat" cmpd="sng" algn="ctr">
-          <a:solidFill>
-            <a:schemeClr val="accent2">
-              <a:hueOff val="553230"/>
-              <a:satOff val="2550"/>
-              <a:lumOff val="392"/>
-              <a:alphaOff val="0"/>
-            </a:schemeClr>
-          </a:solidFill>
-          <a:prstDash val="solid"/>
-        </a:ln>
-        <a:effectLst>
-          <a:outerShdw blurRad="50800" dist="38100" dir="5400000" sy="96000" rotWithShape="0">
-            <a:srgbClr val="000000">
-              <a:alpha val="54000"/>
-            </a:srgbClr>
-          </a:outerShdw>
-        </a:effectLst>
-      </dsp:spPr>
-      <dsp:style>
-        <a:lnRef idx="1">
-          <a:scrgbClr r="0" g="0" b="0"/>
-        </a:lnRef>
-        <a:fillRef idx="3">
-          <a:scrgbClr r="0" g="0" b="0"/>
-        </a:fillRef>
-        <a:effectRef idx="2">
-          <a:scrgbClr r="0" g="0" b="0"/>
-        </a:effectRef>
-        <a:fontRef idx="minor">
-          <a:schemeClr val="lt1"/>
-        </a:fontRef>
-      </dsp:style>
-    </dsp:sp>
-    <dsp:sp modelId="{AEB42E16-AB39-4DAD-BD7A-A1576D86FB61}">
-      <dsp:nvSpPr>
-        <dsp:cNvPr id="0" name=""/>
-        <dsp:cNvSpPr/>
-      </dsp:nvSpPr>
-      <dsp:spPr>
-        <a:xfrm>
-          <a:off x="0" y="926169"/>
-          <a:ext cx="5924550" cy="925603"/>
-        </a:xfrm>
-        <a:prstGeom prst="rect">
-          <a:avLst/>
-        </a:prstGeom>
-        <a:noFill/>
-        <a:ln>
-          <a:noFill/>
-        </a:ln>
-        <a:effectLst/>
-      </dsp:spPr>
-      <dsp:style>
-        <a:lnRef idx="0">
-          <a:scrgbClr r="0" g="0" b="0"/>
-        </a:lnRef>
-        <a:fillRef idx="0">
-          <a:scrgbClr r="0" g="0" b="0"/>
-        </a:fillRef>
-        <a:effectRef idx="0">
-          <a:scrgbClr r="0" g="0" b="0"/>
-        </a:effectRef>
-        <a:fontRef idx="minor"/>
-      </dsp:style>
-      <dsp:txBody>
-        <a:bodyPr spcFirstLastPara="0" vert="horz" wrap="square" lIns="99060" tIns="99060" rIns="99060" bIns="99060" numCol="1" spcCol="1270" anchor="t" anchorCtr="0">
-          <a:noAutofit/>
-        </a:bodyPr>
-        <a:lstStyle/>
-        <a:p>
-          <a:pPr marL="0" lvl="0" indent="0" algn="l" defTabSz="1155700">
-            <a:lnSpc>
-              <a:spcPct val="90000"/>
-            </a:lnSpc>
-            <a:spcBef>
-              <a:spcPct val="0"/>
-            </a:spcBef>
-            <a:spcAft>
-              <a:spcPct val="35000"/>
-            </a:spcAft>
-            <a:buNone/>
-          </a:pPr>
-          <a:r>
-            <a:rPr lang="en-US" sz="2600" kern="1200" dirty="0"/>
-            <a:t>JWT Authentication: Tokens are used for secure login.</a:t>
-          </a:r>
-        </a:p>
-      </dsp:txBody>
-      <dsp:txXfrm>
-        <a:off x="0" y="926169"/>
-        <a:ext cx="5924550" cy="925603"/>
-      </dsp:txXfrm>
-    </dsp:sp>
-    <dsp:sp modelId="{9EE7325B-D064-4F5E-B566-23EFAF9AFF6A}">
-      <dsp:nvSpPr>
-        <dsp:cNvPr id="0" name=""/>
-        <dsp:cNvSpPr/>
-      </dsp:nvSpPr>
-      <dsp:spPr>
-        <a:xfrm>
-          <a:off x="0" y="1851773"/>
-          <a:ext cx="5924550" cy="0"/>
-        </a:xfrm>
-        <a:prstGeom prst="line">
-          <a:avLst/>
-        </a:prstGeom>
-        <a:gradFill rotWithShape="0">
-          <a:gsLst>
-            <a:gs pos="0">
-              <a:schemeClr val="accent2">
-                <a:hueOff val="1106460"/>
-                <a:satOff val="5101"/>
-                <a:lumOff val="784"/>
-                <a:alphaOff val="0"/>
-                <a:tint val="94000"/>
-                <a:satMod val="100000"/>
-                <a:lumMod val="104000"/>
-              </a:schemeClr>
-            </a:gs>
-            <a:gs pos="69000">
-              <a:schemeClr val="accent2">
-                <a:hueOff val="1106460"/>
-                <a:satOff val="5101"/>
-                <a:lumOff val="784"/>
-                <a:alphaOff val="0"/>
-                <a:shade val="86000"/>
-                <a:satMod val="130000"/>
-                <a:lumMod val="102000"/>
-              </a:schemeClr>
-            </a:gs>
-            <a:gs pos="100000">
-              <a:schemeClr val="accent2">
-                <a:hueOff val="1106460"/>
-                <a:satOff val="5101"/>
-                <a:lumOff val="784"/>
-                <a:alphaOff val="0"/>
-                <a:shade val="72000"/>
-                <a:satMod val="130000"/>
-                <a:lumMod val="100000"/>
-              </a:schemeClr>
-            </a:gs>
-          </a:gsLst>
-          <a:lin ang="5400000" scaled="0"/>
-        </a:gradFill>
-        <a:ln w="12700" cap="flat" cmpd="sng" algn="ctr">
-          <a:solidFill>
-            <a:schemeClr val="accent2">
-              <a:hueOff val="1106460"/>
-              <a:satOff val="5101"/>
-              <a:lumOff val="784"/>
-              <a:alphaOff val="0"/>
-            </a:schemeClr>
-          </a:solidFill>
-          <a:prstDash val="solid"/>
-        </a:ln>
-        <a:effectLst>
-          <a:outerShdw blurRad="50800" dist="38100" dir="5400000" sy="96000" rotWithShape="0">
-            <a:srgbClr val="000000">
-              <a:alpha val="54000"/>
-            </a:srgbClr>
-          </a:outerShdw>
-        </a:effectLst>
-      </dsp:spPr>
-      <dsp:style>
-        <a:lnRef idx="1">
-          <a:scrgbClr r="0" g="0" b="0"/>
-        </a:lnRef>
-        <a:fillRef idx="3">
-          <a:scrgbClr r="0" g="0" b="0"/>
-        </a:fillRef>
-        <a:effectRef idx="2">
-          <a:scrgbClr r="0" g="0" b="0"/>
-        </a:effectRef>
-        <a:fontRef idx="minor">
-          <a:schemeClr val="lt1"/>
-        </a:fontRef>
-      </dsp:style>
-    </dsp:sp>
-    <dsp:sp modelId="{71FDD4CF-FF4B-4656-BB71-BC3341B2B6EF}">
-      <dsp:nvSpPr>
-        <dsp:cNvPr id="0" name=""/>
-        <dsp:cNvSpPr/>
-      </dsp:nvSpPr>
-      <dsp:spPr>
-        <a:xfrm>
-          <a:off x="0" y="1851773"/>
-          <a:ext cx="5924550" cy="925603"/>
-        </a:xfrm>
-        <a:prstGeom prst="rect">
-          <a:avLst/>
-        </a:prstGeom>
-        <a:noFill/>
-        <a:ln>
-          <a:noFill/>
-        </a:ln>
-        <a:effectLst/>
-      </dsp:spPr>
-      <dsp:style>
-        <a:lnRef idx="0">
-          <a:scrgbClr r="0" g="0" b="0"/>
-        </a:lnRef>
-        <a:fillRef idx="0">
-          <a:scrgbClr r="0" g="0" b="0"/>
-        </a:fillRef>
-        <a:effectRef idx="0">
-          <a:scrgbClr r="0" g="0" b="0"/>
-        </a:effectRef>
-        <a:fontRef idx="minor"/>
-      </dsp:style>
-      <dsp:txBody>
-        <a:bodyPr spcFirstLastPara="0" vert="horz" wrap="square" lIns="99060" tIns="99060" rIns="99060" bIns="99060" numCol="1" spcCol="1270" anchor="t" anchorCtr="0">
-          <a:noAutofit/>
-        </a:bodyPr>
-        <a:lstStyle/>
-        <a:p>
-          <a:pPr marL="0" lvl="0" indent="0" algn="l" defTabSz="1155700">
-            <a:lnSpc>
-              <a:spcPct val="90000"/>
-            </a:lnSpc>
-            <a:spcBef>
-              <a:spcPct val="0"/>
-            </a:spcBef>
-            <a:spcAft>
-              <a:spcPct val="35000"/>
-            </a:spcAft>
-            <a:buNone/>
-          </a:pPr>
-          <a:r>
-            <a:rPr lang="en-US" sz="2600" kern="1200" dirty="0"/>
-            <a:t>Role-Based Access Control: Ensures access to only permitted resources.</a:t>
-          </a:r>
-        </a:p>
-      </dsp:txBody>
-      <dsp:txXfrm>
-        <a:off x="0" y="1851773"/>
-        <a:ext cx="5924550" cy="925603"/>
-      </dsp:txXfrm>
-    </dsp:sp>
-    <dsp:sp modelId="{8B2D1396-C915-4770-B2EC-B84B6D6B0CD9}">
-      <dsp:nvSpPr>
-        <dsp:cNvPr id="0" name=""/>
-        <dsp:cNvSpPr/>
-      </dsp:nvSpPr>
-      <dsp:spPr>
-        <a:xfrm>
-          <a:off x="0" y="2777376"/>
-          <a:ext cx="5924550" cy="0"/>
-        </a:xfrm>
-        <a:prstGeom prst="line">
-          <a:avLst/>
-        </a:prstGeom>
-        <a:gradFill rotWithShape="0">
-          <a:gsLst>
-            <a:gs pos="0">
-              <a:schemeClr val="accent2">
-                <a:hueOff val="1659690"/>
-                <a:satOff val="7651"/>
-                <a:lumOff val="1177"/>
-                <a:alphaOff val="0"/>
-                <a:tint val="94000"/>
-                <a:satMod val="100000"/>
-                <a:lumMod val="104000"/>
-              </a:schemeClr>
-            </a:gs>
-            <a:gs pos="69000">
-              <a:schemeClr val="accent2">
-                <a:hueOff val="1659690"/>
-                <a:satOff val="7651"/>
-                <a:lumOff val="1177"/>
-                <a:alphaOff val="0"/>
-                <a:shade val="86000"/>
-                <a:satMod val="130000"/>
-                <a:lumMod val="102000"/>
-              </a:schemeClr>
-            </a:gs>
-            <a:gs pos="100000">
-              <a:schemeClr val="accent2">
-                <a:hueOff val="1659690"/>
-                <a:satOff val="7651"/>
-                <a:lumOff val="1177"/>
-                <a:alphaOff val="0"/>
-                <a:shade val="72000"/>
-                <a:satMod val="130000"/>
-                <a:lumMod val="100000"/>
-              </a:schemeClr>
-            </a:gs>
-          </a:gsLst>
-          <a:lin ang="5400000" scaled="0"/>
-        </a:gradFill>
-        <a:ln w="12700" cap="flat" cmpd="sng" algn="ctr">
-          <a:solidFill>
-            <a:schemeClr val="accent2">
-              <a:hueOff val="1659690"/>
-              <a:satOff val="7651"/>
-              <a:lumOff val="1177"/>
-              <a:alphaOff val="0"/>
-            </a:schemeClr>
-          </a:solidFill>
-          <a:prstDash val="solid"/>
-        </a:ln>
-        <a:effectLst>
-          <a:outerShdw blurRad="50800" dist="38100" dir="5400000" sy="96000" rotWithShape="0">
-            <a:srgbClr val="000000">
-              <a:alpha val="54000"/>
-            </a:srgbClr>
-          </a:outerShdw>
-        </a:effectLst>
-      </dsp:spPr>
-      <dsp:style>
-        <a:lnRef idx="1">
-          <a:scrgbClr r="0" g="0" b="0"/>
-        </a:lnRef>
-        <a:fillRef idx="3">
-          <a:scrgbClr r="0" g="0" b="0"/>
-        </a:fillRef>
-        <a:effectRef idx="2">
-          <a:scrgbClr r="0" g="0" b="0"/>
-        </a:effectRef>
-        <a:fontRef idx="minor">
-          <a:schemeClr val="lt1"/>
-        </a:fontRef>
-      </dsp:style>
-    </dsp:sp>
-    <dsp:sp modelId="{93C5156E-D8E3-4E36-95D8-C3F84197AC22}">
-      <dsp:nvSpPr>
-        <dsp:cNvPr id="0" name=""/>
-        <dsp:cNvSpPr/>
-      </dsp:nvSpPr>
-      <dsp:spPr>
-        <a:xfrm>
-          <a:off x="0" y="2777376"/>
-          <a:ext cx="5924550" cy="925603"/>
-        </a:xfrm>
-        <a:prstGeom prst="rect">
-          <a:avLst/>
-        </a:prstGeom>
-        <a:noFill/>
-        <a:ln>
-          <a:noFill/>
-        </a:ln>
-        <a:effectLst/>
-      </dsp:spPr>
-      <dsp:style>
-        <a:lnRef idx="0">
-          <a:scrgbClr r="0" g="0" b="0"/>
-        </a:lnRef>
-        <a:fillRef idx="0">
-          <a:scrgbClr r="0" g="0" b="0"/>
-        </a:fillRef>
-        <a:effectRef idx="0">
-          <a:scrgbClr r="0" g="0" b="0"/>
-        </a:effectRef>
-        <a:fontRef idx="minor"/>
-      </dsp:style>
-      <dsp:txBody>
-        <a:bodyPr spcFirstLastPara="0" vert="horz" wrap="square" lIns="99060" tIns="99060" rIns="99060" bIns="99060" numCol="1" spcCol="1270" anchor="t" anchorCtr="0">
-          <a:noAutofit/>
-        </a:bodyPr>
-        <a:lstStyle/>
-        <a:p>
-          <a:pPr marL="0" lvl="0" indent="0" algn="l" defTabSz="1155700">
-            <a:lnSpc>
-              <a:spcPct val="90000"/>
-            </a:lnSpc>
-            <a:spcBef>
-              <a:spcPct val="0"/>
-            </a:spcBef>
-            <a:spcAft>
-              <a:spcPct val="35000"/>
-            </a:spcAft>
-            <a:buNone/>
-          </a:pPr>
-          <a:r>
-            <a:rPr lang="en-US" sz="2600" kern="1200"/>
-            <a:t>Data Encryption: Encrypts sensitive data in transit and at rest.</a:t>
-          </a:r>
-        </a:p>
-      </dsp:txBody>
-      <dsp:txXfrm>
-        <a:off x="0" y="2777376"/>
-        <a:ext cx="5924550" cy="925603"/>
-      </dsp:txXfrm>
-    </dsp:sp>
-    <dsp:sp modelId="{2CEF8812-3C94-4901-BFCE-3A96B9A84A5A}">
-      <dsp:nvSpPr>
-        <dsp:cNvPr id="0" name=""/>
-        <dsp:cNvSpPr/>
-      </dsp:nvSpPr>
-      <dsp:spPr>
-        <a:xfrm>
-          <a:off x="0" y="3702980"/>
-          <a:ext cx="5924550" cy="0"/>
-        </a:xfrm>
-        <a:prstGeom prst="line">
-          <a:avLst/>
-        </a:prstGeom>
-        <a:gradFill rotWithShape="0">
-          <a:gsLst>
-            <a:gs pos="0">
-              <a:schemeClr val="accent2">
-                <a:hueOff val="2212920"/>
-                <a:satOff val="10201"/>
-                <a:lumOff val="1569"/>
-                <a:alphaOff val="0"/>
-                <a:tint val="94000"/>
-                <a:satMod val="100000"/>
-                <a:lumMod val="104000"/>
-              </a:schemeClr>
-            </a:gs>
-            <a:gs pos="69000">
-              <a:schemeClr val="accent2">
-                <a:hueOff val="2212920"/>
-                <a:satOff val="10201"/>
-                <a:lumOff val="1569"/>
-                <a:alphaOff val="0"/>
-                <a:shade val="86000"/>
-                <a:satMod val="130000"/>
-                <a:lumMod val="102000"/>
-              </a:schemeClr>
-            </a:gs>
-            <a:gs pos="100000">
-              <a:schemeClr val="accent2">
-                <a:hueOff val="2212920"/>
-                <a:satOff val="10201"/>
-                <a:lumOff val="1569"/>
-                <a:alphaOff val="0"/>
-                <a:shade val="72000"/>
-                <a:satMod val="130000"/>
-                <a:lumMod val="100000"/>
-              </a:schemeClr>
-            </a:gs>
-          </a:gsLst>
-          <a:lin ang="5400000" scaled="0"/>
-        </a:gradFill>
-        <a:ln w="12700" cap="flat" cmpd="sng" algn="ctr">
-          <a:solidFill>
-            <a:schemeClr val="accent2">
-              <a:hueOff val="2212920"/>
-              <a:satOff val="10201"/>
-              <a:lumOff val="1569"/>
-              <a:alphaOff val="0"/>
-            </a:schemeClr>
-          </a:solidFill>
-          <a:prstDash val="solid"/>
-        </a:ln>
-        <a:effectLst>
-          <a:outerShdw blurRad="50800" dist="38100" dir="5400000" sy="96000" rotWithShape="0">
-            <a:srgbClr val="000000">
-              <a:alpha val="54000"/>
-            </a:srgbClr>
-          </a:outerShdw>
-        </a:effectLst>
-      </dsp:spPr>
-      <dsp:style>
-        <a:lnRef idx="1">
-          <a:scrgbClr r="0" g="0" b="0"/>
-        </a:lnRef>
-        <a:fillRef idx="3">
-          <a:scrgbClr r="0" g="0" b="0"/>
-        </a:fillRef>
-        <a:effectRef idx="2">
-          <a:scrgbClr r="0" g="0" b="0"/>
-        </a:effectRef>
-        <a:fontRef idx="minor">
-          <a:schemeClr val="lt1"/>
-        </a:fontRef>
-      </dsp:style>
-    </dsp:sp>
-    <dsp:sp modelId="{71AD26E6-D779-4473-9BF4-10D41D5A6531}">
-      <dsp:nvSpPr>
-        <dsp:cNvPr id="0" name=""/>
-        <dsp:cNvSpPr/>
-      </dsp:nvSpPr>
-      <dsp:spPr>
-        <a:xfrm>
-          <a:off x="0" y="3702980"/>
-          <a:ext cx="5924550" cy="925603"/>
-        </a:xfrm>
-        <a:prstGeom prst="rect">
-          <a:avLst/>
-        </a:prstGeom>
-        <a:noFill/>
-        <a:ln>
-          <a:noFill/>
-        </a:ln>
-        <a:effectLst/>
-      </dsp:spPr>
-      <dsp:style>
-        <a:lnRef idx="0">
-          <a:scrgbClr r="0" g="0" b="0"/>
-        </a:lnRef>
-        <a:fillRef idx="0">
-          <a:scrgbClr r="0" g="0" b="0"/>
-        </a:fillRef>
-        <a:effectRef idx="0">
-          <a:scrgbClr r="0" g="0" b="0"/>
-        </a:effectRef>
-        <a:fontRef idx="minor"/>
-      </dsp:style>
-      <dsp:txBody>
-        <a:bodyPr spcFirstLastPara="0" vert="horz" wrap="square" lIns="99060" tIns="99060" rIns="99060" bIns="99060" numCol="1" spcCol="1270" anchor="t" anchorCtr="0">
-          <a:noAutofit/>
-        </a:bodyPr>
-        <a:lstStyle/>
-        <a:p>
-          <a:pPr marL="0" lvl="0" indent="0" algn="l" defTabSz="1155700">
-            <a:lnSpc>
-              <a:spcPct val="90000"/>
-            </a:lnSpc>
-            <a:spcBef>
-              <a:spcPct val="0"/>
-            </a:spcBef>
-            <a:spcAft>
-              <a:spcPct val="35000"/>
-            </a:spcAft>
-            <a:buNone/>
-          </a:pPr>
-          <a:r>
-            <a:rPr lang="en-US" sz="2600" kern="1200" dirty="0"/>
-            <a:t>Input Validation: Validates user input to prevent injection attacks.</a:t>
-          </a:r>
-        </a:p>
-      </dsp:txBody>
-      <dsp:txXfrm>
-        <a:off x="0" y="3702980"/>
-        <a:ext cx="5924550" cy="925603"/>
-      </dsp:txXfrm>
-    </dsp:sp>
-  </dsp:spTree>
-</dsp:drawing>
-</file>
-
-<file path=ppt/diagrams/layout1.xml><?xml version="1.0" encoding="utf-8"?>
-<dgm:layoutDef xmlns:dgm="http://schemas.openxmlformats.org/drawingml/2006/diagram" xmlns:a="http://schemas.openxmlformats.org/drawingml/2006/main" uniqueId="urn:microsoft.com/office/officeart/2008/layout/LinedList">
-  <dgm:title val=""/>
-  <dgm:desc val=""/>
-  <dgm:catLst>
-    <dgm:cat type="hierarchy" pri="8000"/>
-    <dgm:cat type="list" pri="2500"/>
-  </dgm:catLst>
-  <dgm:sampData>
-    <dgm:dataModel>
-      <dgm:ptLst>
-        <dgm:pt modelId="0" type="doc"/>
-        <dgm:pt modelId="1">
-          <dgm:prSet phldr="1"/>
-        </dgm:pt>
-        <dgm:pt modelId="11">
-          <dgm:prSet phldr="1"/>
-        </dgm:pt>
-        <dgm:pt modelId="12">
-          <dgm:prSet phldr="1"/>
-        </dgm:pt>
-        <dgm:pt modelId="13">
-          <dgm:prSet phldr="1"/>
-        </dgm:pt>
-      </dgm:ptLst>
-      <dgm:cxnLst>
-        <dgm:cxn modelId="2" srcId="0" destId="1" srcOrd="0" destOrd="0"/>
-        <dgm:cxn modelId="3" srcId="1" destId="11" srcOrd="0" destOrd="0"/>
-        <dgm:cxn modelId="4" srcId="1" destId="12" srcOrd="1" destOrd="0"/>
-        <dgm:cxn modelId="5" srcId="1" destId="13" srcOrd="2" destOrd="0"/>
-      </dgm:cxnLst>
-      <dgm:bg/>
-      <dgm:whole/>
-    </dgm:dataModel>
-  </dgm:sampData>
-  <dgm:styleData>
-    <dgm:dataModel>
-      <dgm:ptLst>
-        <dgm:pt modelId="0" type="doc"/>
-        <dgm:pt modelId="1">
-          <dgm:prSet phldr="1"/>
-        </dgm:pt>
-        <dgm:pt modelId="11">
-          <dgm:prSet phldr="1"/>
-        </dgm:pt>
-        <dgm:pt modelId="12">
-          <dgm:prSet phldr="1"/>
-        </dgm:pt>
-      </dgm:ptLst>
-      <dgm:cxnLst>
-        <dgm:cxn modelId="2" srcId="0" destId="1" srcOrd="0" destOrd="0"/>
-        <dgm:cxn modelId="3" srcId="1" destId="11" srcOrd="0" destOrd="0"/>
-        <dgm:cxn modelId="4" srcId="1" destId="12" srcOrd="1" destOrd="0"/>
-      </dgm:cxnLst>
-      <dgm:bg/>
-      <dgm:whole/>
-    </dgm:dataModel>
-  </dgm:styleData>
-  <dgm:clrData>
-    <dgm:dataModel>
-      <dgm:ptLst>
-        <dgm:pt modelId="0" type="doc"/>
-        <dgm:pt modelId="1">
-          <dgm:prSet phldr="1"/>
-        </dgm:pt>
-        <dgm:pt modelId="11">
-          <dgm:prSet phldr="1"/>
-        </dgm:pt>
-        <dgm:pt modelId="12">
-          <dgm:prSet phldr="1"/>
-        </dgm:pt>
-      </dgm:ptLst>
-      <dgm:cxnLst>
-        <dgm:cxn modelId="2" srcId="0" destId="1" srcOrd="0" destOrd="0"/>
-        <dgm:cxn modelId="3" srcId="1" destId="11" srcOrd="0" destOrd="0"/>
-        <dgm:cxn modelId="4" srcId="1" destId="12" srcOrd="1" destOrd="0"/>
-      </dgm:cxnLst>
-      <dgm:bg/>
-      <dgm:whole/>
-    </dgm:dataModel>
-  </dgm:clrData>
-  <dgm:layoutNode name="vert0">
-    <dgm:varLst>
-      <dgm:dir/>
-      <dgm:animOne val="branch"/>
-      <dgm:animLvl val="lvl"/>
-    </dgm:varLst>
-    <dgm:choose name="Name0">
-      <dgm:if name="Name1" func="var" arg="dir" op="equ" val="norm">
-        <dgm:alg type="lin">
-          <dgm:param type="linDir" val="fromT"/>
-          <dgm:param type="nodeHorzAlign" val="l"/>
-        </dgm:alg>
-      </dgm:if>
-      <dgm:else name="Name2">
-        <dgm:alg type="lin">
-          <dgm:param type="linDir" val="fromT"/>
-          <dgm:param type="nodeHorzAlign" val="r"/>
-        </dgm:alg>
-      </dgm:else>
-    </dgm:choose>
-    <dgm:shape xmlns:r="http://schemas.openxmlformats.org/officeDocument/2006/relationships" r:blip="">
-      <dgm:adjLst/>
-    </dgm:shape>
-    <dgm:presOf/>
-    <dgm:constrLst>
-      <dgm:constr type="w" for="ch" forName="horz1" refType="w"/>
-      <dgm:constr type="h" for="ch" forName="horz1" refType="h"/>
-      <dgm:constr type="h" for="des" forName="vert1" refType="h"/>
-      <dgm:constr type="h" for="des" forName="tx1" refType="h"/>
-      <dgm:constr type="h" for="des" forName="horz2" refType="h"/>
-      <dgm:constr type="h" for="des" forName="vert2" refType="h"/>
-      <dgm:constr type="h" for="des" forName="horz3" refType="h"/>
-      <dgm:constr type="h" for="des" forName="vert3" refType="h"/>
-      <dgm:constr type="h" for="des" forName="horz4" refType="h"/>
-      <dgm:constr type="h" for="des" ptType="node" refType="h"/>
-      <dgm:constr type="primFontSz" for="des" forName="tx1" op="equ" val="65"/>
-      <dgm:constr type="primFontSz" for="des" forName="tx2" op="equ" val="65"/>
-      <dgm:constr type="primFontSz" for="des" forName="tx3" op="equ" val="65"/>
-      <dgm:constr type="primFontSz" for="des" forName="tx4" op="equ" val="65"/>
-      <dgm:constr type="w" for="des" forName="thickLine" refType="w"/>
-      <dgm:constr type="h" for="des" forName="thickLine"/>
-      <dgm:constr type="h" for="des" forName="thinLine1"/>
-      <dgm:constr type="h" for="des" forName="thinLine2b"/>
-      <dgm:constr type="h" for="des" forName="thinLine3"/>
-      <dgm:constr type="h" for="des" forName="vertSpace2a" refType="h" fact="0.05"/>
-      <dgm:constr type="h" for="des" forName="vertSpace2b" refType="h" refFor="des" refForName="vertSpace2a"/>
-    </dgm:constrLst>
-    <dgm:forEach name="Name3" axis="ch" ptType="node">
-      <dgm:layoutNode name="thickLine" styleLbl="alignNode1">
-        <dgm:alg type="sp"/>
-        <dgm:shape xmlns:r="http://schemas.openxmlformats.org/officeDocument/2006/relationships" type="line" r:blip="">
-          <dgm:adjLst/>
-        </dgm:shape>
-        <dgm:presOf/>
-      </dgm:layoutNode>
-      <dgm:layoutNode name="horz1">
-        <dgm:choose name="Name4">
-          <dgm:if name="Name5" func="var" arg="dir" op="equ" val="norm">
-            <dgm:alg type="lin">
-              <dgm:param type="linDir" val="fromL"/>
-              <dgm:param type="nodeVertAlign" val="t"/>
-            </dgm:alg>
-          </dgm:if>
-          <dgm:else name="Name6">
-            <dgm:alg type="lin">
-              <dgm:param type="linDir" val="fromR"/>
-              <dgm:param type="nodeVertAlign" val="t"/>
-            </dgm:alg>
-          </dgm:else>
-        </dgm:choose>
-        <dgm:shape xmlns:r="http://schemas.openxmlformats.org/officeDocument/2006/relationships" r:blip="">
-          <dgm:adjLst/>
-        </dgm:shape>
-        <dgm:presOf/>
-        <dgm:choose name="Name7">
-          <dgm:if name="Name8" axis="root des" func="maxDepth" op="equ" val="1">
-            <dgm:constrLst>
-              <dgm:constr type="w" for="ch" forName="tx1" refType="w"/>
-            </dgm:constrLst>
-          </dgm:if>
-          <dgm:if name="Name9" axis="root des" func="maxDepth" op="equ" val="2">
-            <dgm:constrLst>
-              <dgm:constr type="w" for="ch" forName="tx1" refType="w" fact="0.2"/>
-              <dgm:constr type="w" for="des" forName="tx2" refType="w" fact="0.785"/>
-              <dgm:constr type="w" for="des" forName="horzSpace2" refType="w" fact="0.015"/>
-              <dgm:constr type="w" for="des" forName="thinLine2b" refType="w" fact="0.8"/>
-            </dgm:constrLst>
-          </dgm:if>
-          <dgm:if name="Name10" axis="root des" func="maxDepth" op="equ" val="3">
-            <dgm:constrLst>
-              <dgm:constr type="w" for="ch" forName="tx1" refType="w" fact="0.2"/>
-              <dgm:constr type="w" for="des" forName="tx2" refType="w" fact="0.385"/>
-              <dgm:constr type="w" for="des" forName="tx3" refType="w" fact="0.385"/>
-              <dgm:constr type="w" for="des" forName="horzSpace2" refType="w" fact="0.015"/>
-              <dgm:constr type="w" for="des" forName="horzSpace3" refType="w" fact="0.015"/>
-              <dgm:constr type="w" for="des" forName="thinLine2b" refType="w" fact="0.8"/>
-              <dgm:constr type="w" for="des" forName="thinLine3" refType="w" fact="0.385"/>
-            </dgm:constrLst>
-          </dgm:if>
-          <dgm:if name="Name11" axis="root des" func="maxDepth" op="gte" val="4">
-            <dgm:constrLst>
-              <dgm:constr type="w" for="ch" forName="tx1" refType="w" fact="0.2"/>
-              <dgm:constr type="w" for="des" forName="tx2" refType="w" fact="0.2516"/>
-              <dgm:constr type="w" for="des" forName="tx3" refType="w" fact="0.2516"/>
-              <dgm:constr type="w" for="des" forName="tx4" refType="w" fact="0.2516"/>
-              <dgm:constr type="w" for="des" forName="horzSpace2" refType="w" fact="0.015"/>
-              <dgm:constr type="w" for="des" forName="horzSpace3" refType="w" fact="0.015"/>
-              <dgm:constr type="w" for="des" forName="horzSpace4" refType="w" fact="0.015"/>
-              <dgm:constr type="w" for="des" forName="thinLine2b" refType="w" fact="0.8"/>
-              <dgm:constr type="w" for="des" forName="thinLine3" refType="w" fact="0.5332"/>
-            </dgm:constrLst>
-          </dgm:if>
-          <dgm:else name="Name12"/>
-        </dgm:choose>
-        <dgm:layoutNode name="tx1" styleLbl="revTx">
-          <dgm:alg type="tx">
-            <dgm:param type="parTxLTRAlign" val="l"/>
-            <dgm:param type="parTxRTLAlign" val="r"/>
-            <dgm:param type="txAnchorVert" val="t"/>
-          </dgm:alg>
-          <dgm:shape xmlns:r="http://schemas.openxmlformats.org/officeDocument/2006/relationships" type="rect" r:blip="">
-            <dgm:adjLst/>
-          </dgm:shape>
-          <dgm:presOf axis="self"/>
-          <dgm:constrLst>
-            <dgm:constr type="tMarg" refType="primFontSz" fact="0.3"/>
-            <dgm:constr type="bMarg" refType="primFontSz" fact="0.3"/>
-            <dgm:constr type="lMarg" refType="primFontSz" fact="0.3"/>
-            <dgm:constr type="rMarg" refType="primFontSz" fact="0.3"/>
-          </dgm:constrLst>
-          <dgm:ruleLst>
-            <dgm:rule type="primFontSz" val="5" fact="NaN" max="NaN"/>
-          </dgm:ruleLst>
-        </dgm:layoutNode>
-        <dgm:layoutNode name="vert1">
-          <dgm:choose name="Name13">
-            <dgm:if name="Name14" func="var" arg="dir" op="equ" val="norm">
-              <dgm:alg type="lin">
-                <dgm:param type="linDir" val="fromT"/>
-                <dgm:param type="nodeHorzAlign" val="l"/>
-              </dgm:alg>
-            </dgm:if>
-            <dgm:else name="Name15">
-              <dgm:alg type="lin">
-                <dgm:param type="linDir" val="fromT"/>
-                <dgm:param type="nodeHorzAlign" val="r"/>
-              </dgm:alg>
-            </dgm:else>
-          </dgm:choose>
-          <dgm:shape xmlns:r="http://schemas.openxmlformats.org/officeDocument/2006/relationships" r:blip="">
-            <dgm:adjLst/>
-          </dgm:shape>
-          <dgm:presOf/>
-          <dgm:forEach name="Name16" axis="ch" ptType="node">
-            <dgm:choose name="Name17">
-              <dgm:if name="Name18" axis="self" ptType="node" func="pos" op="equ" val="1">
-                <dgm:layoutNode name="vertSpace2a">
-                  <dgm:alg type="sp"/>
-                  <dgm:shape xmlns:r="http://schemas.openxmlformats.org/officeDocument/2006/relationships" r:blip="">
-                    <dgm:adjLst/>
-                  </dgm:shape>
-                  <dgm:presOf/>
-                </dgm:layoutNode>
-              </dgm:if>
-              <dgm:else name="Name19"/>
-            </dgm:choose>
-            <dgm:layoutNode name="horz2">
-              <dgm:choose name="Name20">
-                <dgm:if name="Name21" func="var" arg="dir" op="equ" val="norm">
-                  <dgm:alg type="lin">
-                    <dgm:param type="linDir" val="fromL"/>
-                    <dgm:param type="nodeVertAlign" val="t"/>
-                  </dgm:alg>
-                </dgm:if>
-                <dgm:else name="Name22">
-                  <dgm:alg type="lin">
-                    <dgm:param type="linDir" val="fromR"/>
-                    <dgm:param type="nodeVertAlign" val="t"/>
-                  </dgm:alg>
-                </dgm:else>
-              </dgm:choose>
-              <dgm:shape xmlns:r="http://schemas.openxmlformats.org/officeDocument/2006/relationships" r:blip="">
-                <dgm:adjLst/>
-              </dgm:shape>
-              <dgm:presOf/>
-              <dgm:layoutNode name="horzSpace2">
-                <dgm:alg type="sp"/>
-                <dgm:shape xmlns:r="http://schemas.openxmlformats.org/officeDocument/2006/relationships" r:blip="">
-                  <dgm:adjLst/>
-                </dgm:shape>
-                <dgm:presOf/>
-              </dgm:layoutNode>
-              <dgm:layoutNode name="tx2" styleLbl="revTx">
-                <dgm:alg type="tx">
-                  <dgm:param type="parTxLTRAlign" val="l"/>
-                  <dgm:param type="parTxRTLAlign" val="r"/>
-                  <dgm:param type="txAnchorVert" val="t"/>
-                </dgm:alg>
-                <dgm:shape xmlns:r="http://schemas.openxmlformats.org/officeDocument/2006/relationships" type="rect" r:blip="">
-                  <dgm:adjLst/>
-                </dgm:shape>
-                <dgm:presOf axis="self"/>
-                <dgm:constrLst>
-                  <dgm:constr type="tMarg" refType="primFontSz" fact="0.3"/>
-                  <dgm:constr type="bMarg" refType="primFontSz" fact="0.3"/>
-                  <dgm:constr type="lMarg" refType="primFontSz" fact="0.3"/>
-                  <dgm:constr type="rMarg" refType="primFontSz" fact="0.3"/>
-                </dgm:constrLst>
-                <dgm:ruleLst>
-                  <dgm:rule type="primFontSz" val="5" fact="NaN" max="NaN"/>
-                </dgm:ruleLst>
-              </dgm:layoutNode>
-              <dgm:layoutNode name="vert2">
-                <dgm:choose name="Name23">
-                  <dgm:if name="Name24" func="var" arg="dir" op="equ" val="norm">
-                    <dgm:alg type="lin">
-                      <dgm:param type="linDir" val="fromT"/>
-                      <dgm:param type="nodeHorzAlign" val="l"/>
-                    </dgm:alg>
-                  </dgm:if>
-                  <dgm:else name="Name25">
-                    <dgm:alg type="lin">
-                      <dgm:param type="linDir" val="fromT"/>
-                      <dgm:param type="nodeHorzAlign" val="r"/>
-                    </dgm:alg>
-                  </dgm:else>
-                </dgm:choose>
-                <dgm:shape xmlns:r="http://schemas.openxmlformats.org/officeDocument/2006/relationships" r:blip="">
-                  <dgm:adjLst/>
-                </dgm:shape>
-                <dgm:presOf/>
-                <dgm:forEach name="Name26" axis="ch" ptType="node">
-                  <dgm:layoutNode name="horz3">
-                    <dgm:choose name="Name27">
-                      <dgm:if name="Name28" func="var" arg="dir" op="equ" val="norm">
-                        <dgm:alg type="lin">
-                          <dgm:param type="linDir" val="fromL"/>
-                          <dgm:param type="nodeVertAlign" val="t"/>
-                        </dgm:alg>
-                      </dgm:if>
-                      <dgm:else name="Name29">
-                        <dgm:alg type="lin">
-                          <dgm:param type="linDir" val="fromR"/>
-                          <dgm:param type="nodeVertAlign" val="t"/>
-                        </dgm:alg>
-                      </dgm:else>
-                    </dgm:choose>
-                    <dgm:shape xmlns:r="http://schemas.openxmlformats.org/officeDocument/2006/relationships" r:blip="">
-                      <dgm:adjLst/>
-                    </dgm:shape>
-                    <dgm:presOf/>
-                    <dgm:layoutNode name="horzSpace3">
-                      <dgm:alg type="sp"/>
-                      <dgm:shape xmlns:r="http://schemas.openxmlformats.org/officeDocument/2006/relationships" r:blip="">
-                        <dgm:adjLst/>
-                      </dgm:shape>
-                      <dgm:presOf/>
-                    </dgm:layoutNode>
-                    <dgm:layoutNode name="tx3" styleLbl="revTx">
-                      <dgm:alg type="tx">
-                        <dgm:param type="parTxLTRAlign" val="l"/>
-                        <dgm:param type="parTxRTLAlign" val="r"/>
-                        <dgm:param type="txAnchorVert" val="t"/>
-                      </dgm:alg>
-                      <dgm:shape xmlns:r="http://schemas.openxmlformats.org/officeDocument/2006/relationships" type="rect" r:blip="">
-                        <dgm:adjLst/>
-                      </dgm:shape>
-                      <dgm:presOf axis="self"/>
-                      <dgm:constrLst>
-                        <dgm:constr type="tMarg" refType="primFontSz" fact="0.3"/>
-                        <dgm:constr type="bMarg" refType="primFontSz" fact="0.3"/>
-                        <dgm:constr type="lMarg" refType="primFontSz" fact="0.3"/>
-                        <dgm:constr type="rMarg" refType="primFontSz" fact="0.3"/>
-                      </dgm:constrLst>
-                      <dgm:ruleLst>
-                        <dgm:rule type="primFontSz" val="5" fact="NaN" max="NaN"/>
-                      </dgm:ruleLst>
-                    </dgm:layoutNode>
-                    <dgm:layoutNode name="vert3">
-                      <dgm:choose name="Name30">
-                        <dgm:if name="Name31" func="var" arg="dir" op="equ" val="norm">
-                          <dgm:alg type="lin">
-                            <dgm:param type="linDir" val="fromT"/>
-                            <dgm:param type="nodeHorzAlign" val="l"/>
-                          </dgm:alg>
-                        </dgm:if>
-                        <dgm:else name="Name32">
-                          <dgm:alg type="lin">
-                            <dgm:param type="linDir" val="fromT"/>
-                            <dgm:param type="nodeHorzAlign" val="r"/>
-                          </dgm:alg>
-                        </dgm:else>
-                      </dgm:choose>
-                      <dgm:shape xmlns:r="http://schemas.openxmlformats.org/officeDocument/2006/relationships" r:blip="">
-                        <dgm:adjLst/>
-                      </dgm:shape>
-                      <dgm:presOf/>
-                      <dgm:forEach name="Name33" axis="ch" ptType="node">
-                        <dgm:layoutNode name="horz4">
-                          <dgm:choose name="Name34">
-                            <dgm:if name="Name35" func="var" arg="dir" op="equ" val="norm">
-                              <dgm:alg type="lin">
-                                <dgm:param type="linDir" val="fromL"/>
-                                <dgm:param type="nodeVertAlign" val="t"/>
-                              </dgm:alg>
-                            </dgm:if>
-                            <dgm:else name="Name36">
-                              <dgm:alg type="lin">
-                                <dgm:param type="linDir" val="fromR"/>
-                                <dgm:param type="nodeVertAlign" val="t"/>
-                              </dgm:alg>
-                            </dgm:else>
-                          </dgm:choose>
-                          <dgm:shape xmlns:r="http://schemas.openxmlformats.org/officeDocument/2006/relationships" r:blip="">
-                            <dgm:adjLst/>
-                          </dgm:shape>
-                          <dgm:presOf/>
-                          <dgm:layoutNode name="horzSpace4">
-                            <dgm:alg type="sp"/>
-                            <dgm:shape xmlns:r="http://schemas.openxmlformats.org/officeDocument/2006/relationships" r:blip="">
-                              <dgm:adjLst/>
-                            </dgm:shape>
-                            <dgm:presOf/>
-                          </dgm:layoutNode>
-                          <dgm:layoutNode name="tx4" styleLbl="revTx">
-                            <dgm:varLst>
-                              <dgm:bulletEnabled val="1"/>
-                            </dgm:varLst>
-                            <dgm:alg type="tx">
-                              <dgm:param type="parTxLTRAlign" val="l"/>
-                              <dgm:param type="parTxRTLAlign" val="r"/>
-                              <dgm:param type="txAnchorVert" val="t"/>
-                            </dgm:alg>
-                            <dgm:shape xmlns:r="http://schemas.openxmlformats.org/officeDocument/2006/relationships" type="rect" r:blip="">
-                              <dgm:adjLst/>
-                            </dgm:shape>
-                            <dgm:presOf axis="desOrSelf" ptType="node"/>
-                            <dgm:constrLst>
-                              <dgm:constr type="tMarg" refType="primFontSz" fact="0.3"/>
-                              <dgm:constr type="bMarg" refType="primFontSz" fact="0.3"/>
-                              <dgm:constr type="lMarg" refType="primFontSz" fact="0.3"/>
-                              <dgm:constr type="rMarg" refType="primFontSz" fact="0.3"/>
-                            </dgm:constrLst>
-                            <dgm:ruleLst>
-                              <dgm:rule type="primFontSz" val="5" fact="NaN" max="NaN"/>
-                            </dgm:ruleLst>
-                          </dgm:layoutNode>
-                        </dgm:layoutNode>
-                      </dgm:forEach>
-                    </dgm:layoutNode>
-                  </dgm:layoutNode>
-                  <dgm:forEach name="Name37" axis="followSib" ptType="sibTrans" cnt="1">
-                    <dgm:layoutNode name="thinLine3" styleLbl="callout">
-                      <dgm:alg type="sp"/>
-                      <dgm:shape xmlns:r="http://schemas.openxmlformats.org/officeDocument/2006/relationships" type="line" r:blip="">
-                        <dgm:adjLst/>
-                      </dgm:shape>
-                      <dgm:presOf/>
-                    </dgm:layoutNode>
-                  </dgm:forEach>
-                </dgm:forEach>
-              </dgm:layoutNode>
-            </dgm:layoutNode>
-            <dgm:layoutNode name="thinLine2b" styleLbl="callout">
-              <dgm:alg type="sp"/>
-              <dgm:shape xmlns:r="http://schemas.openxmlformats.org/officeDocument/2006/relationships" type="line" r:blip="">
-                <dgm:adjLst/>
-              </dgm:shape>
-              <dgm:presOf/>
-            </dgm:layoutNode>
-            <dgm:layoutNode name="vertSpace2b">
-              <dgm:alg type="sp"/>
-              <dgm:shape xmlns:r="http://schemas.openxmlformats.org/officeDocument/2006/relationships" r:blip="">
-                <dgm:adjLst/>
-              </dgm:shape>
-              <dgm:presOf/>
-            </dgm:layoutNode>
-          </dgm:forEach>
-        </dgm:layoutNode>
-      </dgm:layoutNode>
-    </dgm:forEach>
-  </dgm:layoutNode>
-</dgm:layoutDef>
-</file>
-
-<file path=ppt/diagrams/quickStyle1.xml><?xml version="1.0" encoding="utf-8"?>
-<dgm:styleDef xmlns:dgm="http://schemas.openxmlformats.org/drawingml/2006/diagram" xmlns:a="http://schemas.openxmlformats.org/drawingml/2006/main" uniqueId="urn:microsoft.com/office/officeart/2005/8/quickstyle/simple4">
-  <dgm:title val=""/>
-  <dgm:desc val=""/>
-  <dgm:catLst>
-    <dgm:cat type="simple" pri="10400"/>
-  </dgm:catLst>
-  <dgm:scene3d>
-    <a:camera prst="orthographicFront"/>
-    <a:lightRig rig="threePt" dir="t"/>
-  </dgm:scene3d>
-  <dgm:styleLbl name="node0">
-    <dgm:scene3d>
-      <a:camera prst="orthographicFront"/>
-      <a:lightRig rig="threePt" dir="t"/>
-    </dgm:scene3d>
-    <dgm:sp3d/>
-    <dgm:txPr/>
-    <dgm:style>
-      <a:lnRef idx="0">
-        <a:scrgbClr r="0" g="0" b="0"/>
-      </a:lnRef>
-      <a:fillRef idx="3">
-        <a:scrgbClr r="0" g="0" b="0"/>
-      </a:fillRef>
-      <a:effectRef idx="2">
-        <a:scrgbClr r="0" g="0" b="0"/>
-      </a:effectRef>
-      <a:fontRef idx="minor">
-        <a:schemeClr val="lt1"/>
-      </a:fontRef>
-    </dgm:style>
-  </dgm:styleLbl>
-  <dgm:styleLbl name="lnNode1">
-    <dgm:scene3d>
-      <a:camera prst="orthographicFront"/>
-      <a:lightRig rig="threePt" dir="t"/>
-    </dgm:scene3d>
-    <dgm:sp3d/>
-    <dgm:txPr/>
-    <dgm:style>
-      <a:lnRef idx="1">
-        <a:scrgbClr r="0" g="0" b="0"/>
-      </a:lnRef>
-      <a:fillRef idx="3">
-        <a:scrgbClr r="0" g="0" b="0"/>
-      </a:fillRef>
-      <a:effectRef idx="2">
-        <a:scrgbClr r="0" g="0" b="0"/>
-      </a:effectRef>
-      <a:fontRef idx="minor">
-        <a:schemeClr val="lt1"/>
-      </a:fontRef>
-    </dgm:style>
-  </dgm:styleLbl>
-  <dgm:styleLbl name="vennNode1">
-    <dgm:scene3d>
-      <a:camera prst="orthographicFront"/>
-      <a:lightRig rig="threePt" dir="t"/>
-    </dgm:scene3d>
-    <dgm:sp3d/>
-    <dgm:txPr/>
-    <dgm:style>
-      <a:lnRef idx="0">
-        <a:scrgbClr r="0" g="0" b="0"/>
-      </a:lnRef>
-      <a:fillRef idx="3">
-        <a:scrgbClr r="0" g="0" b="0"/>
-      </a:fillRef>
-      <a:effectRef idx="0">
-        <a:scrgbClr r="0" g="0" b="0"/>
-      </a:effectRef>
-      <a:fontRef idx="minor">
-        <a:schemeClr val="tx1"/>
-      </a:fontRef>
-    </dgm:style>
-  </dgm:styleLbl>
-  <dgm:styleLbl name="alignNode1">
-    <dgm:scene3d>
-      <a:camera prst="orthographicFront"/>
-      <a:lightRig rig="threePt" dir="t"/>
-    </dgm:scene3d>
-    <dgm:sp3d/>
-    <dgm:txPr/>
-    <dgm:style>
-      <a:lnRef idx="1">
-        <a:scrgbClr r="0" g="0" b="0"/>
-      </a:lnRef>
-      <a:fillRef idx="3">
-        <a:scrgbClr r="0" g="0" b="0"/>
-      </a:fillRef>
-      <a:effectRef idx="2">
-        <a:scrgbClr r="0" g="0" b="0"/>
-      </a:effectRef>
-      <a:fontRef idx="minor">
-        <a:schemeClr val="lt1"/>
-      </a:fontRef>
-    </dgm:style>
-  </dgm:styleLbl>
-  <dgm:styleLbl name="node1">
-    <dgm:scene3d>
-      <a:camera prst="orthographicFront"/>
-      <a:lightRig rig="threePt" dir="t"/>
-    </dgm:scene3d>
-    <dgm:sp3d/>
-    <dgm:txPr/>
-    <dgm:style>
-      <a:lnRef idx="0">
-        <a:scrgbClr r="0" g="0" b="0"/>
-      </a:lnRef>
-      <a:fillRef idx="3">
-        <a:scrgbClr r="0" g="0" b="0"/>
-      </a:fillRef>
-      <a:effectRef idx="2">
-        <a:scrgbClr r="0" g="0" b="0"/>
-      </a:effectRef>
-      <a:fontRef idx="minor">
-        <a:schemeClr val="lt1"/>
-      </a:fontRef>
-    </dgm:style>
-  </dgm:styleLbl>
-  <dgm:styleLbl name="node2">
-    <dgm:scene3d>
-      <a:camera prst="orthographicFront"/>
-      <a:lightRig rig="threePt" dir="t"/>
-    </dgm:scene3d>
-    <dgm:sp3d/>
-    <dgm:txPr/>
-    <dgm:style>
-      <a:lnRef idx="0">
-        <a:scrgbClr r="0" g="0" b="0"/>
-      </a:lnRef>
-      <a:fillRef idx="3">
-        <a:scrgbClr r="0" g="0" b="0"/>
-      </a:fillRef>
-      <a:effectRef idx="2">
-        <a:scrgbClr r="0" g="0" b="0"/>
-      </a:effectRef>
-      <a:fontRef idx="minor">
-        <a:schemeClr val="lt1"/>
-      </a:fontRef>
-    </dgm:style>
-  </dgm:styleLbl>
-  <dgm:styleLbl name="node3">
-    <dgm:scene3d>
-      <a:camera prst="orthographicFront"/>
-      <a:lightRig rig="threePt" dir="t"/>
-    </dgm:scene3d>
-    <dgm:sp3d/>
-    <dgm:txPr/>
-    <dgm:style>
-      <a:lnRef idx="0">
-        <a:scrgbClr r="0" g="0" b="0"/>
-      </a:lnRef>
-      <a:fillRef idx="3">
-        <a:scrgbClr r="0" g="0" b="0"/>
-      </a:fillRef>
-      <a:effectRef idx="2">
-        <a:scrgbClr r="0" g="0" b="0"/>
-      </a:effectRef>
-      <a:fontRef idx="minor">
-        <a:schemeClr val="lt1"/>
-      </a:fontRef>
-    </dgm:style>
-  </dgm:styleLbl>
-  <dgm:styleLbl name="node4">
-    <dgm:scene3d>
-      <a:camera prst="orthographicFront"/>
-      <a:lightRig rig="threePt" dir="t"/>
-    </dgm:scene3d>
-    <dgm:sp3d/>
-    <dgm:txPr/>
-    <dgm:style>
-      <a:lnRef idx="0">
-        <a:scrgbClr r="0" g="0" b="0"/>
-      </a:lnRef>
-      <a:fillRef idx="3">
-        <a:scrgbClr r="0" g="0" b="0"/>
-      </a:fillRef>
-      <a:effectRef idx="2">
-        <a:scrgbClr r="0" g="0" b="0"/>
-      </a:effectRef>
-      <a:fontRef idx="minor">
-        <a:schemeClr val="lt1"/>
-      </a:fontRef>
-    </dgm:style>
-  </dgm:styleLbl>
-  <dgm:styleLbl name="fgImgPlace1">
-    <dgm:scene3d>
-      <a:camera prst="orthographicFront"/>
-      <a:lightRig rig="threePt" dir="t"/>
-    </dgm:scene3d>
-    <dgm:sp3d/>
-    <dgm:txPr/>
-    <dgm:style>
-      <a:lnRef idx="0">
-        <a:scrgbClr r="0" g="0" b="0"/>
-      </a:lnRef>
-      <a:fillRef idx="1">
-        <a:scrgbClr r="0" g="0" b="0"/>
-      </a:fillRef>
-      <a:effectRef idx="2">
-        <a:scrgbClr r="0" g="0" b="0"/>
-      </a:effectRef>
-      <a:fontRef idx="minor"/>
-    </dgm:style>
-  </dgm:styleLbl>
-  <dgm:styleLbl name="alignImgPlace1">
-    <dgm:scene3d>
-      <a:camera prst="orthographicFront"/>
-      <a:lightRig rig="threePt" dir="t"/>
-    </dgm:scene3d>
-    <dgm:sp3d/>
-    <dgm:txPr/>
-    <dgm:style>
-      <a:lnRef idx="0">
-        <a:scrgbClr r="0" g="0" b="0"/>
-      </a:lnRef>
-      <a:fillRef idx="1">
-        <a:scrgbClr r="0" g="0" b="0"/>
-      </a:fillRef>
-      <a:effectRef idx="2">
-        <a:scrgbClr r="0" g="0" b="0"/>
-      </a:effectRef>
-      <a:fontRef idx="minor"/>
-    </dgm:style>
-  </dgm:styleLbl>
-  <dgm:styleLbl name="bgImgPlace1">
-    <dgm:scene3d>
-      <a:camera prst="orthographicFront"/>
-      <a:lightRig rig="threePt" dir="t"/>
-    </dgm:scene3d>
-    <dgm:sp3d/>
-    <dgm:txPr/>
-    <dgm:style>
-      <a:lnRef idx="0">
-        <a:scrgbClr r="0" g="0" b="0"/>
-      </a:lnRef>
-      <a:fillRef idx="1">
-        <a:scrgbClr r="0" g="0" b="0"/>
-      </a:fillRef>
-      <a:effectRef idx="2">
-        <a:scrgbClr r="0" g="0" b="0"/>
-      </a:effectRef>
-      <a:fontRef idx="minor"/>
-    </dgm:style>
-  </dgm:styleLbl>
-  <dgm:styleLbl name="sibTrans2D1">
-    <dgm:scene3d>
-      <a:camera prst="orthographicFront"/>
-      <a:lightRig rig="threePt" dir="t"/>
-    </dgm:scene3d>
-    <dgm:sp3d/>
-    <dgm:txPr/>
-    <dgm:style>
-      <a:lnRef idx="0">
-        <a:scrgbClr r="0" g="0" b="0"/>
-      </a:lnRef>
-      <a:fillRef idx="3">
-        <a:scrgbClr r="0" g="0" b="0"/>
-      </a:fillRef>
-      <a:effectRef idx="2">
-        <a:scrgbClr r="0" g="0" b="0"/>
-      </a:effectRef>
-      <a:fontRef idx="minor">
-        <a:schemeClr val="lt1"/>
-      </a:fontRef>
-    </dgm:style>
-  </dgm:styleLbl>
-  <dgm:styleLbl name="fgSibTrans2D1">
-    <dgm:scene3d>
-      <a:camera prst="orthographicFront"/>
-      <a:lightRig rig="threePt" dir="t"/>
-    </dgm:scene3d>
-    <dgm:sp3d/>
-    <dgm:txPr/>
-    <dgm:style>
-      <a:lnRef idx="0">
-        <a:scrgbClr r="0" g="0" b="0"/>
-      </a:lnRef>
-      <a:fillRef idx="3">
-        <a:scrgbClr r="0" g="0" b="0"/>
-      </a:fillRef>
-      <a:effectRef idx="2">
-        <a:scrgbClr r="0" g="0" b="0"/>
-      </a:effectRef>
-      <a:fontRef idx="minor">
-        <a:schemeClr val="lt1"/>
-      </a:fontRef>
-    </dgm:style>
-  </dgm:styleLbl>
-  <dgm:styleLbl name="bgSibTrans2D1">
-    <dgm:scene3d>
-      <a:camera prst="orthographicFront"/>
-      <a:lightRig rig="threePt" dir="t"/>
-    </dgm:scene3d>
-    <dgm:sp3d/>
-    <dgm:txPr/>
-    <dgm:style>
-      <a:lnRef idx="0">
-        <a:scrgbClr r="0" g="0" b="0"/>
-      </a:lnRef>
-      <a:fillRef idx="3">
-        <a:scrgbClr r="0" g="0" b="0"/>
-      </a:fillRef>
-      <a:effectRef idx="2">
-        <a:scrgbClr r="0" g="0" b="0"/>
-      </a:effectRef>
-      <a:fontRef idx="minor">
-        <a:schemeClr val="lt1"/>
-      </a:fontRef>
-    </dgm:style>
-  </dgm:styleLbl>
-  <dgm:styleLbl name="sibTrans1D1">
-    <dgm:scene3d>
-      <a:camera prst="orthographicFront"/>
-      <a:lightRig rig="threePt" dir="t"/>
-    </dgm:scene3d>
-    <dgm:sp3d/>
-    <dgm:txPr/>
-    <dgm:style>
-      <a:lnRef idx="1">
-        <a:scrgbClr r="0" g="0" b="0"/>
-      </a:lnRef>
-      <a:fillRef idx="0">
-        <a:scrgbClr r="0" g="0" b="0"/>
-      </a:fillRef>
-      <a:effectRef idx="0">
-        <a:scrgbClr r="0" g="0" b="0"/>
-      </a:effectRef>
-      <a:fontRef idx="minor"/>
-    </dgm:style>
-  </dgm:styleLbl>
-  <dgm:styleLbl name="callout">
-    <dgm:scene3d>
-      <a:camera prst="orthographicFront"/>
-      <a:lightRig rig="threePt" dir="t"/>
-    </dgm:scene3d>
-    <dgm:sp3d/>
-    <dgm:txPr/>
-    <dgm:style>
-      <a:lnRef idx="2">
-        <a:scrgbClr r="0" g="0" b="0"/>
-      </a:lnRef>
-      <a:fillRef idx="1">
-        <a:scrgbClr r="0" g="0" b="0"/>
-      </a:fillRef>
-      <a:effectRef idx="1">
-        <a:scrgbClr r="0" g="0" b="0"/>
-      </a:effectRef>
-      <a:fontRef idx="minor"/>
-    </dgm:style>
-  </dgm:styleLbl>
-  <dgm:styleLbl name="asst0">
-    <dgm:scene3d>
-      <a:camera prst="orthographicFront"/>
-      <a:lightRig rig="threePt" dir="t"/>
-    </dgm:scene3d>
-    <dgm:sp3d/>
-    <dgm:txPr/>
-    <dgm:style>
-      <a:lnRef idx="0">
-        <a:scrgbClr r="0" g="0" b="0"/>
-      </a:lnRef>
-      <a:fillRef idx="3">
-        <a:scrgbClr r="0" g="0" b="0"/>
-      </a:fillRef>
-      <a:effectRef idx="2">
-        <a:scrgbClr r="0" g="0" b="0"/>
-      </a:effectRef>
-      <a:fontRef idx="minor">
-        <a:schemeClr val="lt1"/>
-      </a:fontRef>
-    </dgm:style>
-  </dgm:styleLbl>
-  <dgm:styleLbl name="asst1">
-    <dgm:scene3d>
-      <a:camera prst="orthographicFront"/>
-      <a:lightRig rig="threePt" dir="t"/>
-    </dgm:scene3d>
-    <dgm:sp3d/>
-    <dgm:txPr/>
-    <dgm:style>
-      <a:lnRef idx="0">
-        <a:scrgbClr r="0" g="0" b="0"/>
-      </a:lnRef>
-      <a:fillRef idx="3">
-        <a:scrgbClr r="0" g="0" b="0"/>
-      </a:fillRef>
-      <a:effectRef idx="2">
-        <a:scrgbClr r="0" g="0" b="0"/>
-      </a:effectRef>
-      <a:fontRef idx="minor">
-        <a:schemeClr val="lt1"/>
-      </a:fontRef>
-    </dgm:style>
-  </dgm:styleLbl>
-  <dgm:styleLbl name="asst2">
-    <dgm:scene3d>
-      <a:camera prst="orthographicFront"/>
-      <a:lightRig rig="threePt" dir="t"/>
-    </dgm:scene3d>
-    <dgm:sp3d/>
-    <dgm:txPr/>
-    <dgm:style>
-      <a:lnRef idx="0">
-        <a:scrgbClr r="0" g="0" b="0"/>
-      </a:lnRef>
-      <a:fillRef idx="3">
-        <a:scrgbClr r="0" g="0" b="0"/>
-      </a:fillRef>
-      <a:effectRef idx="2">
-        <a:scrgbClr r="0" g="0" b="0"/>
-      </a:effectRef>
-      <a:fontRef idx="minor">
-        <a:schemeClr val="lt1"/>
-      </a:fontRef>
-    </dgm:style>
-  </dgm:styleLbl>
-  <dgm:styleLbl name="asst3">
-    <dgm:scene3d>
-      <a:camera prst="orthographicFront"/>
-      <a:lightRig rig="threePt" dir="t"/>
-    </dgm:scene3d>
-    <dgm:sp3d/>
-    <dgm:txPr/>
-    <dgm:style>
-      <a:lnRef idx="0">
-        <a:scrgbClr r="0" g="0" b="0"/>
-      </a:lnRef>
-      <a:fillRef idx="3">
-        <a:scrgbClr r="0" g="0" b="0"/>
-      </a:fillRef>
-      <a:effectRef idx="2">
-        <a:scrgbClr r="0" g="0" b="0"/>
-      </a:effectRef>
-      <a:fontRef idx="minor">
-        <a:schemeClr val="lt1"/>
-      </a:fontRef>
-    </dgm:style>
-  </dgm:styleLbl>
-  <dgm:styleLbl name="asst4">
-    <dgm:scene3d>
-      <a:camera prst="orthographicFront"/>
-      <a:lightRig rig="threePt" dir="t"/>
-    </dgm:scene3d>
-    <dgm:sp3d/>
-    <dgm:txPr/>
-    <dgm:style>
-      <a:lnRef idx="0">
-        <a:scrgbClr r="0" g="0" b="0"/>
-      </a:lnRef>
-      <a:fillRef idx="3">
-        <a:scrgbClr r="0" g="0" b="0"/>
-      </a:fillRef>
-      <a:effectRef idx="2">
-        <a:scrgbClr r="0" g="0" b="0"/>
-      </a:effectRef>
-      <a:fontRef idx="minor">
-        <a:schemeClr val="lt1"/>
-      </a:fontRef>
-    </dgm:style>
-  </dgm:styleLbl>
-  <dgm:styleLbl name="parChTrans2D1">
-    <dgm:scene3d>
-      <a:camera prst="orthographicFront"/>
-      <a:lightRig rig="threePt" dir="t"/>
-    </dgm:scene3d>
-    <dgm:sp3d/>
-    <dgm:txPr/>
-    <dgm:style>
-      <a:lnRef idx="0">
-        <a:scrgbClr r="0" g="0" b="0"/>
-      </a:lnRef>
-      <a:fillRef idx="3">
-        <a:scrgbClr r="0" g="0" b="0"/>
-      </a:fillRef>
-      <a:effectRef idx="2">
-        <a:scrgbClr r="0" g="0" b="0"/>
-      </a:effectRef>
-      <a:fontRef idx="minor">
-        <a:schemeClr val="lt1"/>
-      </a:fontRef>
-    </dgm:style>
-  </dgm:styleLbl>
-  <dgm:styleLbl name="parChTrans2D2">
-    <dgm:scene3d>
-      <a:camera prst="orthographicFront"/>
-      <a:lightRig rig="threePt" dir="t"/>
-    </dgm:scene3d>
-    <dgm:sp3d/>
-    <dgm:txPr/>
-    <dgm:style>
-      <a:lnRef idx="0">
-        <a:scrgbClr r="0" g="0" b="0"/>
-      </a:lnRef>
-      <a:fillRef idx="3">
-        <a:scrgbClr r="0" g="0" b="0"/>
-      </a:fillRef>
-      <a:effectRef idx="2">
-        <a:scrgbClr r="0" g="0" b="0"/>
-      </a:effectRef>
-      <a:fontRef idx="minor">
-        <a:schemeClr val="lt1"/>
-      </a:fontRef>
-    </dgm:style>
-  </dgm:styleLbl>
-  <dgm:styleLbl name="parChTrans2D3">
-    <dgm:scene3d>
-      <a:camera prst="orthographicFront"/>
-      <a:lightRig rig="threePt" dir="t"/>
-    </dgm:scene3d>
-    <dgm:sp3d/>
-    <dgm:txPr/>
-    <dgm:style>
-      <a:lnRef idx="1">
-        <a:scrgbClr r="0" g="0" b="0"/>
-      </a:lnRef>
-      <a:fillRef idx="3">
-        <a:scrgbClr r="0" g="0" b="0"/>
-      </a:fillRef>
-      <a:effectRef idx="2">
-        <a:scrgbClr r="0" g="0" b="0"/>
-      </a:effectRef>
-      <a:fontRef idx="minor">
-        <a:schemeClr val="lt1"/>
-      </a:fontRef>
-    </dgm:style>
-  </dgm:styleLbl>
-  <dgm:styleLbl name="parChTrans2D4">
-    <dgm:scene3d>
-      <a:camera prst="orthographicFront"/>
-      <a:lightRig rig="threePt" dir="t"/>
-    </dgm:scene3d>
-    <dgm:sp3d/>
-    <dgm:txPr/>
-    <dgm:style>
-      <a:lnRef idx="1">
-        <a:scrgbClr r="0" g="0" b="0"/>
-      </a:lnRef>
-      <a:fillRef idx="3">
-        <a:scrgbClr r="0" g="0" b="0"/>
-      </a:fillRef>
-      <a:effectRef idx="2">
-        <a:scrgbClr r="0" g="0" b="0"/>
-      </a:effectRef>
-      <a:fontRef idx="minor">
-        <a:schemeClr val="lt1"/>
-      </a:fontRef>
-    </dgm:style>
-  </dgm:styleLbl>
-  <dgm:styleLbl name="parChTrans1D1">
-    <dgm:scene3d>
-      <a:camera prst="orthographicFront"/>
-      <a:lightRig rig="threePt" dir="t"/>
-    </dgm:scene3d>
-    <dgm:sp3d/>
-    <dgm:txPr/>
-    <dgm:style>
-      <a:lnRef idx="1">
-        <a:scrgbClr r="0" g="0" b="0"/>
-      </a:lnRef>
-      <a:fillRef idx="0">
-        <a:scrgbClr r="0" g="0" b="0"/>
-      </a:fillRef>
-      <a:effectRef idx="0">
-        <a:scrgbClr r="0" g="0" b="0"/>
-      </a:effectRef>
-      <a:fontRef idx="minor"/>
-    </dgm:style>
-  </dgm:styleLbl>
-  <dgm:styleLbl name="parChTrans1D2">
-    <dgm:scene3d>
-      <a:camera prst="orthographicFront"/>
-      <a:lightRig rig="threePt" dir="t"/>
-    </dgm:scene3d>
-    <dgm:sp3d/>
-    <dgm:txPr/>
-    <dgm:style>
-      <a:lnRef idx="1">
-        <a:scrgbClr r="0" g="0" b="0"/>
-      </a:lnRef>
-      <a:fillRef idx="0">
-        <a:scrgbClr r="0" g="0" b="0"/>
-      </a:fillRef>
-      <a:effectRef idx="0">
-        <a:scrgbClr r="0" g="0" b="0"/>
-      </a:effectRef>
-      <a:fontRef idx="minor"/>
-    </dgm:style>
-  </dgm:styleLbl>
-  <dgm:styleLbl name="parChTrans1D3">
-    <dgm:scene3d>
-      <a:camera prst="orthographicFront"/>
-      <a:lightRig rig="threePt" dir="t"/>
-    </dgm:scene3d>
-    <dgm:sp3d/>
-    <dgm:txPr/>
-    <dgm:style>
-      <a:lnRef idx="1">
-        <a:scrgbClr r="0" g="0" b="0"/>
-      </a:lnRef>
-      <a:fillRef idx="0">
-        <a:scrgbClr r="0" g="0" b="0"/>
-      </a:fillRef>
-      <a:effectRef idx="0">
-        <a:scrgbClr r="0" g="0" b="0"/>
-      </a:effectRef>
-      <a:fontRef idx="minor"/>
-    </dgm:style>
-  </dgm:styleLbl>
-  <dgm:styleLbl name="parChTrans1D4">
-    <dgm:scene3d>
-      <a:camera prst="orthographicFront"/>
-      <a:lightRig rig="threePt" dir="t"/>
-    </dgm:scene3d>
-    <dgm:sp3d/>
-    <dgm:txPr/>
-    <dgm:style>
-      <a:lnRef idx="1">
-        <a:scrgbClr r="0" g="0" b="0"/>
-      </a:lnRef>
-      <a:fillRef idx="0">
-        <a:scrgbClr r="0" g="0" b="0"/>
-      </a:fillRef>
-      <a:effectRef idx="0">
-        <a:scrgbClr r="0" g="0" b="0"/>
-      </a:effectRef>
-      <a:fontRef idx="minor"/>
-    </dgm:style>
-  </dgm:styleLbl>
-  <dgm:styleLbl name="fgAcc1">
-    <dgm:scene3d>
-      <a:camera prst="orthographicFront"/>
-      <a:lightRig rig="threePt" dir="t"/>
-    </dgm:scene3d>
-    <dgm:sp3d/>
-    <dgm:txPr/>
-    <dgm:style>
-      <a:lnRef idx="1">
-        <a:scrgbClr r="0" g="0" b="0"/>
-      </a:lnRef>
-      <a:fillRef idx="1">
-        <a:scrgbClr r="0" g="0" b="0"/>
-      </a:fillRef>
-      <a:effectRef idx="0">
-        <a:scrgbClr r="0" g="0" b="0"/>
-      </a:effectRef>
-      <a:fontRef idx="minor"/>
-    </dgm:style>
-  </dgm:styleLbl>
-  <dgm:styleLbl name="conFgAcc1">
-    <dgm:scene3d>
-      <a:camera prst="orthographicFront"/>
-      <a:lightRig rig="threePt" dir="t"/>
-    </dgm:scene3d>
-    <dgm:sp3d/>
-    <dgm:txPr/>
-    <dgm:style>
-      <a:lnRef idx="1">
-        <a:scrgbClr r="0" g="0" b="0"/>
-      </a:lnRef>
-      <a:fillRef idx="1">
-        <a:scrgbClr r="0" g="0" b="0"/>
-      </a:fillRef>
-      <a:effectRef idx="0">
-        <a:scrgbClr r="0" g="0" b="0"/>
-      </a:effectRef>
-      <a:fontRef idx="minor"/>
-    </dgm:style>
-  </dgm:styleLbl>
-  <dgm:styleLbl name="alignAcc1">
-    <dgm:scene3d>
-      <a:camera prst="orthographicFront"/>
-      <a:lightRig rig="threePt" dir="t"/>
-    </dgm:scene3d>
-    <dgm:sp3d/>
-    <dgm:txPr/>
-    <dgm:style>
-      <a:lnRef idx="1">
-        <a:scrgbClr r="0" g="0" b="0"/>
-      </a:lnRef>
-      <a:fillRef idx="1">
-        <a:scrgbClr r="0" g="0" b="0"/>
-      </a:fillRef>
-      <a:effectRef idx="0">
-        <a:scrgbClr r="0" g="0" b="0"/>
-      </a:effectRef>
-      <a:fontRef idx="minor"/>
-    </dgm:style>
-  </dgm:styleLbl>
-  <dgm:styleLbl name="trAlignAcc1">
-    <dgm:scene3d>
-      <a:camera prst="orthographicFront"/>
-      <a:lightRig rig="threePt" dir="t"/>
-    </dgm:scene3d>
-    <dgm:sp3d/>
-    <dgm:txPr/>
-    <dgm:style>
-      <a:lnRef idx="1">
-        <a:scrgbClr r="0" g="0" b="0"/>
-      </a:lnRef>
-      <a:fillRef idx="1">
-        <a:scrgbClr r="0" g="0" b="0"/>
-      </a:fillRef>
-      <a:effectRef idx="0">
-        <a:scrgbClr r="0" g="0" b="0"/>
-      </a:effectRef>
-      <a:fontRef idx="minor"/>
-    </dgm:style>
-  </dgm:styleLbl>
-  <dgm:styleLbl name="bgAcc1">
-    <dgm:scene3d>
-      <a:camera prst="orthographicFront"/>
-      <a:lightRig rig="threePt" dir="t"/>
-    </dgm:scene3d>
-    <dgm:sp3d/>
-    <dgm:txPr/>
-    <dgm:style>
-      <a:lnRef idx="1">
-        <a:scrgbClr r="0" g="0" b="0"/>
-      </a:lnRef>
-      <a:fillRef idx="1">
-        <a:scrgbClr r="0" g="0" b="0"/>
-      </a:fillRef>
-      <a:effectRef idx="0">
-        <a:scrgbClr r="0" g="0" b="0"/>
-      </a:effectRef>
-      <a:fontRef idx="minor"/>
-    </dgm:style>
-  </dgm:styleLbl>
-  <dgm:styleLbl name="solidFgAcc1">
-    <dgm:scene3d>
-      <a:camera prst="orthographicFront"/>
-      <a:lightRig rig="threePt" dir="t"/>
-    </dgm:scene3d>
-    <dgm:sp3d/>
-    <dgm:txPr/>
-    <dgm:style>
-      <a:lnRef idx="1">
-        <a:scrgbClr r="0" g="0" b="0"/>
-      </a:lnRef>
-      <a:fillRef idx="1">
-        <a:scrgbClr r="0" g="0" b="0"/>
-      </a:fillRef>
-      <a:effectRef idx="0">
-        <a:scrgbClr r="0" g="0" b="0"/>
-      </a:effectRef>
-      <a:fontRef idx="minor"/>
-    </dgm:style>
-  </dgm:styleLbl>
-  <dgm:styleLbl name="solidAlignAcc1">
-    <dgm:scene3d>
-      <a:camera prst="orthographicFront"/>
-      <a:lightRig rig="threePt" dir="t"/>
-    </dgm:scene3d>
-    <dgm:sp3d/>
-    <dgm:txPr/>
-    <dgm:style>
-      <a:lnRef idx="1">
-        <a:scrgbClr r="0" g="0" b="0"/>
-      </a:lnRef>
-      <a:fillRef idx="1">
-        <a:scrgbClr r="0" g="0" b="0"/>
-      </a:fillRef>
-      <a:effectRef idx="0">
-        <a:scrgbClr r="0" g="0" b="0"/>
-      </a:effectRef>
-      <a:fontRef idx="minor"/>
-    </dgm:style>
-  </dgm:styleLbl>
-  <dgm:styleLbl name="solidBgAcc1">
-    <dgm:scene3d>
-      <a:camera prst="orthographicFront"/>
-      <a:lightRig rig="threePt" dir="t"/>
-    </dgm:scene3d>
-    <dgm:sp3d/>
-    <dgm:txPr/>
-    <dgm:style>
-      <a:lnRef idx="1">
-        <a:scrgbClr r="0" g="0" b="0"/>
-      </a:lnRef>
-      <a:fillRef idx="1">
-        <a:scrgbClr r="0" g="0" b="0"/>
-      </a:fillRef>
-      <a:effectRef idx="0">
-        <a:scrgbClr r="0" g="0" b="0"/>
-      </a:effectRef>
-      <a:fontRef idx="minor"/>
-    </dgm:style>
-  </dgm:styleLbl>
-  <dgm:styleLbl name="fgAccFollowNode1">
-    <dgm:scene3d>
-      <a:camera prst="orthographicFront"/>
-      <a:lightRig rig="threePt" dir="t"/>
-    </dgm:scene3d>
-    <dgm:sp3d/>
-    <dgm:txPr/>
-    <dgm:style>
-      <a:lnRef idx="1">
-        <a:scrgbClr r="0" g="0" b="0"/>
-      </a:lnRef>
-      <a:fillRef idx="1">
-        <a:scrgbClr r="0" g="0" b="0"/>
-      </a:fillRef>
-      <a:effectRef idx="0">
-        <a:scrgbClr r="0" g="0" b="0"/>
-      </a:effectRef>
-      <a:fontRef idx="minor"/>
-    </dgm:style>
-  </dgm:styleLbl>
-  <dgm:styleLbl name="alignAccFollowNode1">
-    <dgm:scene3d>
-      <a:camera prst="orthographicFront"/>
-      <a:lightRig rig="threePt" dir="t"/>
-    </dgm:scene3d>
-    <dgm:sp3d/>
-    <dgm:txPr/>
-    <dgm:style>
-      <a:lnRef idx="1">
-        <a:scrgbClr r="0" g="0" b="0"/>
-      </a:lnRef>
-      <a:fillRef idx="1">
-        <a:scrgbClr r="0" g="0" b="0"/>
-      </a:fillRef>
-      <a:effectRef idx="0">
-        <a:scrgbClr r="0" g="0" b="0"/>
-      </a:effectRef>
-      <a:fontRef idx="minor"/>
-    </dgm:style>
-  </dgm:styleLbl>
-  <dgm:styleLbl name="bgAccFollowNode1">
-    <dgm:scene3d>
-      <a:camera prst="orthographicFront"/>
-      <a:lightRig rig="threePt" dir="t"/>
-    </dgm:scene3d>
-    <dgm:sp3d/>
-    <dgm:txPr/>
-    <dgm:style>
-      <a:lnRef idx="1">
-        <a:scrgbClr r="0" g="0" b="0"/>
-      </a:lnRef>
-      <a:fillRef idx="1">
-        <a:scrgbClr r="0" g="0" b="0"/>
-      </a:fillRef>
-      <a:effectRef idx="0">
-        <a:scrgbClr r="0" g="0" b="0"/>
-      </a:effectRef>
-      <a:fontRef idx="minor"/>
-    </dgm:style>
-  </dgm:styleLbl>
-  <dgm:styleLbl name="fgAcc0">
-    <dgm:scene3d>
-      <a:camera prst="orthographicFront"/>
-      <a:lightRig rig="threePt" dir="t"/>
-    </dgm:scene3d>
-    <dgm:sp3d/>
-    <dgm:txPr/>
-    <dgm:style>
-      <a:lnRef idx="1">
-        <a:scrgbClr r="0" g="0" b="0"/>
-      </a:lnRef>
-      <a:fillRef idx="1">
-        <a:scrgbClr r="0" g="0" b="0"/>
-      </a:fillRef>
-      <a:effectRef idx="0">
-        <a:scrgbClr r="0" g="0" b="0"/>
-      </a:effectRef>
-      <a:fontRef idx="minor"/>
-    </dgm:style>
-  </dgm:styleLbl>
-  <dgm:styleLbl name="fgAcc2">
-    <dgm:scene3d>
-      <a:camera prst="orthographicFront"/>
-      <a:lightRig rig="threePt" dir="t"/>
-    </dgm:scene3d>
-    <dgm:sp3d/>
-    <dgm:txPr/>
-    <dgm:style>
-      <a:lnRef idx="1">
-        <a:scrgbClr r="0" g="0" b="0"/>
-      </a:lnRef>
-      <a:fillRef idx="1">
-        <a:scrgbClr r="0" g="0" b="0"/>
-      </a:fillRef>
-      <a:effectRef idx="0">
-        <a:scrgbClr r="0" g="0" b="0"/>
-      </a:effectRef>
-      <a:fontRef idx="minor"/>
-    </dgm:style>
-  </dgm:styleLbl>
-  <dgm:styleLbl name="fgAcc3">
-    <dgm:scene3d>
-      <a:camera prst="orthographicFront"/>
-      <a:lightRig rig="threePt" dir="t"/>
-    </dgm:scene3d>
-    <dgm:sp3d/>
-    <dgm:txPr/>
-    <dgm:style>
-      <a:lnRef idx="1">
-        <a:scrgbClr r="0" g="0" b="0"/>
-      </a:lnRef>
-      <a:fillRef idx="1">
-        <a:scrgbClr r="0" g="0" b="0"/>
-      </a:fillRef>
-      <a:effectRef idx="0">
-        <a:scrgbClr r="0" g="0" b="0"/>
-      </a:effectRef>
-      <a:fontRef idx="minor"/>
-    </dgm:style>
-  </dgm:styleLbl>
-  <dgm:styleLbl name="fgAcc4">
-    <dgm:scene3d>
-      <a:camera prst="orthographicFront"/>
-      <a:lightRig rig="threePt" dir="t"/>
-    </dgm:scene3d>
-    <dgm:sp3d/>
-    <dgm:txPr/>
-    <dgm:style>
-      <a:lnRef idx="1">
-        <a:scrgbClr r="0" g="0" b="0"/>
-      </a:lnRef>
-      <a:fillRef idx="1">
-        <a:scrgbClr r="0" g="0" b="0"/>
-      </a:fillRef>
-      <a:effectRef idx="0">
-        <a:scrgbClr r="0" g="0" b="0"/>
-      </a:effectRef>
-      <a:fontRef idx="minor"/>
-    </dgm:style>
-  </dgm:styleLbl>
-  <dgm:styleLbl name="bgShp">
-    <dgm:scene3d>
-      <a:camera prst="orthographicFront"/>
-      <a:lightRig rig="threePt" dir="t"/>
-    </dgm:scene3d>
-    <dgm:sp3d/>
-    <dgm:txPr/>
-    <dgm:style>
-      <a:lnRef idx="0">
-        <a:scrgbClr r="0" g="0" b="0"/>
-      </a:lnRef>
-      <a:fillRef idx="1">
-        <a:scrgbClr r="0" g="0" b="0"/>
-      </a:fillRef>
-      <a:effectRef idx="2">
-        <a:scrgbClr r="0" g="0" b="0"/>
-      </a:effectRef>
-      <a:fontRef idx="minor"/>
-    </dgm:style>
-  </dgm:styleLbl>
-  <dgm:styleLbl name="dkBgShp">
-    <dgm:scene3d>
-      <a:camera prst="orthographicFront"/>
-      <a:lightRig rig="threePt" dir="t"/>
-    </dgm:scene3d>
-    <dgm:sp3d/>
-    <dgm:txPr/>
-    <dgm:style>
-      <a:lnRef idx="0">
-        <a:scrgbClr r="0" g="0" b="0"/>
-      </a:lnRef>
-      <a:fillRef idx="1">
-        <a:scrgbClr r="0" g="0" b="0"/>
-      </a:fillRef>
-      <a:effectRef idx="2">
-        <a:scrgbClr r="0" g="0" b="0"/>
-      </a:effectRef>
-      <a:fontRef idx="minor"/>
-    </dgm:style>
-  </dgm:styleLbl>
-  <dgm:styleLbl name="trBgShp">
-    <dgm:scene3d>
-      <a:camera prst="orthographicFront"/>
-      <a:lightRig rig="threePt" dir="t"/>
-    </dgm:scene3d>
-    <dgm:sp3d/>
-    <dgm:txPr/>
-    <dgm:style>
-      <a:lnRef idx="0">
-        <a:scrgbClr r="0" g="0" b="0"/>
-      </a:lnRef>
-      <a:fillRef idx="1">
-        <a:scrgbClr r="0" g="0" b="0"/>
-      </a:fillRef>
-      <a:effectRef idx="0">
-        <a:scrgbClr r="0" g="0" b="0"/>
-      </a:effectRef>
-      <a:fontRef idx="minor"/>
-    </dgm:style>
-  </dgm:styleLbl>
-  <dgm:styleLbl name="fgShp">
-    <dgm:scene3d>
-      <a:camera prst="orthographicFront"/>
-      <a:lightRig rig="threePt" dir="t"/>
-    </dgm:scene3d>
-    <dgm:sp3d/>
-    <dgm:txPr/>
-    <dgm:style>
-      <a:lnRef idx="0">
-        <a:scrgbClr r="0" g="0" b="0"/>
-      </a:lnRef>
-      <a:fillRef idx="3">
-        <a:scrgbClr r="0" g="0" b="0"/>
-      </a:fillRef>
-      <a:effectRef idx="2">
-        <a:scrgbClr r="0" g="0" b="0"/>
-      </a:effectRef>
-      <a:fontRef idx="minor"/>
-    </dgm:style>
-  </dgm:styleLbl>
-  <dgm:styleLbl name="revTx">
-    <dgm:scene3d>
-      <a:camera prst="orthographicFront"/>
-      <a:lightRig rig="threePt" dir="t"/>
-    </dgm:scene3d>
-    <dgm:sp3d/>
-    <dgm:txPr/>
-    <dgm:style>
-      <a:lnRef idx="0">
-        <a:scrgbClr r="0" g="0" b="0"/>
-      </a:lnRef>
-      <a:fillRef idx="0">
-        <a:scrgbClr r="0" g="0" b="0"/>
-      </a:fillRef>
-      <a:effectRef idx="0">
-        <a:scrgbClr r="0" g="0" b="0"/>
-      </a:effectRef>
-      <a:fontRef idx="minor"/>
-    </dgm:style>
-  </dgm:styleLbl>
-</dgm:styleDef>
 </file>
 
 <file path=ppt/slideLayouts/slideLayout1.xml><?xml version="1.0" encoding="utf-8"?>
@@ -9447,28 +6083,6 @@
 <file path=ppt/slides/slide10.xml><?xml version="1.0" encoding="utf-8"?>
 <p:sld xmlns:a="http://schemas.openxmlformats.org/drawingml/2006/main" xmlns:r="http://schemas.openxmlformats.org/officeDocument/2006/relationships" xmlns:p="http://schemas.openxmlformats.org/presentationml/2006/main">
   <p:cSld>
-    <p:bg>
-      <p:bgPr>
-        <a:blipFill rotWithShape="1">
-          <a:blip r:embed="rId2">
-            <a:duotone>
-              <a:schemeClr val="bg2">
-                <a:shade val="18000"/>
-                <a:satMod val="160000"/>
-                <a:lumMod val="28000"/>
-              </a:schemeClr>
-              <a:schemeClr val="bg2">
-                <a:tint val="95000"/>
-                <a:satMod val="160000"/>
-                <a:lumMod val="116000"/>
-              </a:schemeClr>
-            </a:duotone>
-          </a:blip>
-          <a:stretch/>
-        </a:blipFill>
-        <a:effectLst/>
-      </p:bgPr>
-    </p:bg>
     <p:spTree>
       <p:nvGrpSpPr>
         <p:cNvPr id="1" name=""/>
@@ -9488,7 +6102,7 @@
           <p:cNvPr id="2" name="Title 1">
             <a:extLst>
               <a:ext uri="{FF2B5EF4-FFF2-40B4-BE49-F238E27FC236}">
-                <a16:creationId xmlns:a16="http://schemas.microsoft.com/office/drawing/2014/main" id="{3C666843-560A-8904-C2F7-03A0AABB856F}"/>
+                <a16:creationId xmlns:a16="http://schemas.microsoft.com/office/drawing/2014/main" id="{1588D826-4CA2-E6FE-8B3E-033865BBBC74}"/>
               </a:ext>
             </a:extLst>
           </p:cNvPr>
@@ -9499,57 +6113,58 @@
             <p:ph type="title"/>
           </p:nvPr>
         </p:nvSpPr>
-        <p:spPr>
-          <a:xfrm>
-            <a:off x="752475" y="609600"/>
-            <a:ext cx="3643150" cy="5603310"/>
-          </a:xfrm>
-        </p:spPr>
-        <p:txBody>
-          <a:bodyPr vert="horz" lIns="91440" tIns="45720" rIns="91440" bIns="45720" rtlCol="0" anchor="ctr">
-            <a:normAutofit/>
-          </a:bodyPr>
-          <a:lstStyle/>
-          <a:p>
-            <a:r>
-              <a:rPr lang="en-US" sz="2800" dirty="0"/>
-              <a:t>Security Features</a:t>
-            </a:r>
-          </a:p>
-        </p:txBody>
-      </p:sp>
-      <p:graphicFrame>
-        <p:nvGraphicFramePr>
-          <p:cNvPr id="7" name="Text Placeholder 2">
+        <p:spPr/>
+        <p:txBody>
+          <a:bodyPr/>
+          <a:lstStyle/>
+          <a:p>
+            <a:r>
+              <a:rPr lang="en-IN" dirty="0"/>
+              <a:t>PROJECT MANAGEMENT</a:t>
+            </a:r>
+            <a:br>
+              <a:rPr lang="en-IN" dirty="0"/>
+            </a:br>
+            <a:r>
+              <a:rPr lang="en-IN" sz="2400" dirty="0"/>
+              <a:t>(GITHUB COLLABORATION)</a:t>
+            </a:r>
+          </a:p>
+        </p:txBody>
+      </p:sp>
+      <p:pic>
+        <p:nvPicPr>
+          <p:cNvPr id="5" name="Content Placeholder 4">
             <a:extLst>
               <a:ext uri="{FF2B5EF4-FFF2-40B4-BE49-F238E27FC236}">
-                <a16:creationId xmlns:a16="http://schemas.microsoft.com/office/drawing/2014/main" id="{8DDA153E-F027-15F5-2356-1D9371F3A4F9}"/>
+                <a16:creationId xmlns:a16="http://schemas.microsoft.com/office/drawing/2014/main" id="{72E82A5C-2FB0-864F-FF55-853BA2B22E4C}"/>
               </a:ext>
             </a:extLst>
           </p:cNvPr>
-          <p:cNvGraphicFramePr/>
-          <p:nvPr>
-            <p:extLst>
-              <p:ext uri="{D42A27DB-BD31-4B8C-83A1-F6EECF244321}">
-                <p14:modId xmlns:p14="http://schemas.microsoft.com/office/powerpoint/2010/main" val="2571211659"/>
-              </p:ext>
-            </p:extLst>
-          </p:nvPr>
-        </p:nvGraphicFramePr>
-        <p:xfrm>
-          <a:off x="5127625" y="1114425"/>
-          <a:ext cx="5924550" cy="4629150"/>
-        </p:xfrm>
-        <a:graphic>
-          <a:graphicData uri="http://schemas.openxmlformats.org/drawingml/2006/diagram">
-            <dgm:relIds xmlns:dgm="http://schemas.openxmlformats.org/drawingml/2006/diagram" xmlns:r="http://schemas.openxmlformats.org/officeDocument/2006/relationships" r:dm="rId3" r:lo="rId4" r:qs="rId5" r:cs="rId6"/>
-          </a:graphicData>
-        </a:graphic>
-      </p:graphicFrame>
+          <p:cNvPicPr>
+            <a:picLocks noGrp="1" noChangeAspect="1"/>
+          </p:cNvPicPr>
+          <p:nvPr>
+            <p:ph idx="1"/>
+          </p:nvPr>
+        </p:nvPicPr>
+        <p:blipFill>
+          <a:blip r:embed="rId2"/>
+          <a:stretch>
+            <a:fillRect/>
+          </a:stretch>
+        </p:blipFill>
+        <p:spPr>
+          <a:xfrm>
+            <a:off x="2642917" y="2095500"/>
+            <a:ext cx="6906166" cy="4536528"/>
+          </a:xfrm>
+        </p:spPr>
+      </p:pic>
     </p:spTree>
     <p:extLst>
       <p:ext uri="{BB962C8B-B14F-4D97-AF65-F5344CB8AC3E}">
-        <p14:creationId xmlns:p14="http://schemas.microsoft.com/office/powerpoint/2010/main" val="510892762"/>
+        <p14:creationId xmlns:p14="http://schemas.microsoft.com/office/powerpoint/2010/main" val="3002255265"/>
       </p:ext>
     </p:extLst>
   </p:cSld>
@@ -9581,100 +6196,6 @@
           <p:cNvPr id="2" name="Title 1">
             <a:extLst>
               <a:ext uri="{FF2B5EF4-FFF2-40B4-BE49-F238E27FC236}">
-                <a16:creationId xmlns:a16="http://schemas.microsoft.com/office/drawing/2014/main" id="{1588D826-4CA2-E6FE-8B3E-033865BBBC74}"/>
-              </a:ext>
-            </a:extLst>
-          </p:cNvPr>
-          <p:cNvSpPr>
-            <a:spLocks noGrp="1"/>
-          </p:cNvSpPr>
-          <p:nvPr>
-            <p:ph type="title"/>
-          </p:nvPr>
-        </p:nvSpPr>
-        <p:spPr/>
-        <p:txBody>
-          <a:bodyPr/>
-          <a:lstStyle/>
-          <a:p>
-            <a:r>
-              <a:rPr lang="en-IN" dirty="0"/>
-              <a:t>PROJECT MANAGEMENT</a:t>
-            </a:r>
-            <a:br>
-              <a:rPr lang="en-IN" dirty="0"/>
-            </a:br>
-            <a:r>
-              <a:rPr lang="en-IN" sz="2400" dirty="0"/>
-              <a:t>(GITHUB COLLABORATION)</a:t>
-            </a:r>
-          </a:p>
-        </p:txBody>
-      </p:sp>
-      <p:pic>
-        <p:nvPicPr>
-          <p:cNvPr id="5" name="Content Placeholder 4">
-            <a:extLst>
-              <a:ext uri="{FF2B5EF4-FFF2-40B4-BE49-F238E27FC236}">
-                <a16:creationId xmlns:a16="http://schemas.microsoft.com/office/drawing/2014/main" id="{72E82A5C-2FB0-864F-FF55-853BA2B22E4C}"/>
-              </a:ext>
-            </a:extLst>
-          </p:cNvPr>
-          <p:cNvPicPr>
-            <a:picLocks noGrp="1" noChangeAspect="1"/>
-          </p:cNvPicPr>
-          <p:nvPr>
-            <p:ph idx="1"/>
-          </p:nvPr>
-        </p:nvPicPr>
-        <p:blipFill>
-          <a:blip r:embed="rId2"/>
-          <a:stretch>
-            <a:fillRect/>
-          </a:stretch>
-        </p:blipFill>
-        <p:spPr>
-          <a:xfrm>
-            <a:off x="2642917" y="2095500"/>
-            <a:ext cx="6906166" cy="4536528"/>
-          </a:xfrm>
-        </p:spPr>
-      </p:pic>
-    </p:spTree>
-    <p:extLst>
-      <p:ext uri="{BB962C8B-B14F-4D97-AF65-F5344CB8AC3E}">
-        <p14:creationId xmlns:p14="http://schemas.microsoft.com/office/powerpoint/2010/main" val="3002255265"/>
-      </p:ext>
-    </p:extLst>
-  </p:cSld>
-  <p:clrMapOvr>
-    <a:masterClrMapping/>
-  </p:clrMapOvr>
-</p:sld>
-</file>
-
-<file path=ppt/slides/slide12.xml><?xml version="1.0" encoding="utf-8"?>
-<p:sld xmlns:a="http://schemas.openxmlformats.org/drawingml/2006/main" xmlns:r="http://schemas.openxmlformats.org/officeDocument/2006/relationships" xmlns:p="http://schemas.openxmlformats.org/presentationml/2006/main">
-  <p:cSld>
-    <p:spTree>
-      <p:nvGrpSpPr>
-        <p:cNvPr id="1" name=""/>
-        <p:cNvGrpSpPr/>
-        <p:nvPr/>
-      </p:nvGrpSpPr>
-      <p:grpSpPr>
-        <a:xfrm>
-          <a:off x="0" y="0"/>
-          <a:ext cx="0" cy="0"/>
-          <a:chOff x="0" y="0"/>
-          <a:chExt cx="0" cy="0"/>
-        </a:xfrm>
-      </p:grpSpPr>
-      <p:sp>
-        <p:nvSpPr>
-          <p:cNvPr id="2" name="Title 1">
-            <a:extLst>
-              <a:ext uri="{FF2B5EF4-FFF2-40B4-BE49-F238E27FC236}">
                 <a16:creationId xmlns:a16="http://schemas.microsoft.com/office/drawing/2014/main" id="{FF506265-9064-214A-F105-327ACD73A95E}"/>
               </a:ext>
             </a:extLst>
@@ -9749,7 +6270,7 @@
 </p:sld>
 </file>
 
-<file path=ppt/slides/slide13.xml><?xml version="1.0" encoding="utf-8"?>
+<file path=ppt/slides/slide12.xml><?xml version="1.0" encoding="utf-8"?>
 <p:sld xmlns:a="http://schemas.openxmlformats.org/drawingml/2006/main" xmlns:r="http://schemas.openxmlformats.org/officeDocument/2006/relationships" xmlns:p="http://schemas.openxmlformats.org/presentationml/2006/main">
   <p:cSld>
     <p:spTree>

--- a/URBAN BLOOM Project (1).pptx
+++ b/URBAN BLOOM Project (1).pptx
@@ -6809,7 +6809,7 @@
             </a:r>
             <a:r>
               <a:rPr lang="en-US" dirty="0"/>
-              <a:t> allows users to register, log in, and update profiles. Vendors can register, manage their profiles, and add or update products. Customers browse products, read reviews, and place orders. Vendors manage orders, process them, and handle shipping. The platform also tracks order history for users and vendors, ensuring smooth transactions</a:t>
+              <a:t> allows users to register, log in, and update profiles. Vendors can register, manage their profiles, and add or update products. Customers browse products, read reviews, and place orders. Vendors manage orders, process them, and handle shipping. The platform also tracks order history for users and vendors, ensuring smooth workflow.</a:t>
             </a:r>
           </a:p>
         </p:txBody>
